--- a/Презентация.pptx
+++ b/Презентация.pptx
@@ -5528,7 +5528,7 @@
             </a:pPr>
             <a:r>
               <a:rPr lang="ru-RU" dirty="0"/>
-              <a:t>Продумать и сделать интерфейс.</a:t>
+              <a:t>Продумать и доделать интерфейс.</a:t>
             </a:r>
           </a:p>
         </p:txBody>

--- a/Презентация.pptx
+++ b/Презентация.pptx
@@ -7,8 +7,9 @@
   <p:sldIdLst>
     <p:sldId id="256" r:id="rId2"/>
     <p:sldId id="257" r:id="rId3"/>
-    <p:sldId id="258" r:id="rId4"/>
-    <p:sldId id="259" r:id="rId5"/>
+    <p:sldId id="260" r:id="rId4"/>
+    <p:sldId id="258" r:id="rId5"/>
+    <p:sldId id="259" r:id="rId6"/>
   </p:sldIdLst>
   <p:sldSz cx="12192000" cy="6858000"/>
   <p:notesSz cx="6858000" cy="9144000"/>
@@ -262,7 +263,7 @@
           <a:p>
             <a:fld id="{4564DCD7-30E3-4781-8FCE-603DB932AE09}" type="datetimeFigureOut">
               <a:rPr lang="ru-RU" smtClean="0"/>
-              <a:t>26.12.2022</a:t>
+              <a:t>27.12.2022</a:t>
             </a:fld>
             <a:endParaRPr lang="ru-RU"/>
           </a:p>
@@ -460,7 +461,7 @@
           <a:p>
             <a:fld id="{4564DCD7-30E3-4781-8FCE-603DB932AE09}" type="datetimeFigureOut">
               <a:rPr lang="ru-RU" smtClean="0"/>
-              <a:t>26.12.2022</a:t>
+              <a:t>27.12.2022</a:t>
             </a:fld>
             <a:endParaRPr lang="ru-RU"/>
           </a:p>
@@ -668,7 +669,7 @@
           <a:p>
             <a:fld id="{4564DCD7-30E3-4781-8FCE-603DB932AE09}" type="datetimeFigureOut">
               <a:rPr lang="ru-RU" smtClean="0"/>
-              <a:t>26.12.2022</a:t>
+              <a:t>27.12.2022</a:t>
             </a:fld>
             <a:endParaRPr lang="ru-RU"/>
           </a:p>
@@ -866,7 +867,7 @@
           <a:p>
             <a:fld id="{4564DCD7-30E3-4781-8FCE-603DB932AE09}" type="datetimeFigureOut">
               <a:rPr lang="ru-RU" smtClean="0"/>
-              <a:t>26.12.2022</a:t>
+              <a:t>27.12.2022</a:t>
             </a:fld>
             <a:endParaRPr lang="ru-RU"/>
           </a:p>
@@ -1141,7 +1142,7 @@
           <a:p>
             <a:fld id="{4564DCD7-30E3-4781-8FCE-603DB932AE09}" type="datetimeFigureOut">
               <a:rPr lang="ru-RU" smtClean="0"/>
-              <a:t>26.12.2022</a:t>
+              <a:t>27.12.2022</a:t>
             </a:fld>
             <a:endParaRPr lang="ru-RU"/>
           </a:p>
@@ -1406,7 +1407,7 @@
           <a:p>
             <a:fld id="{4564DCD7-30E3-4781-8FCE-603DB932AE09}" type="datetimeFigureOut">
               <a:rPr lang="ru-RU" smtClean="0"/>
-              <a:t>26.12.2022</a:t>
+              <a:t>27.12.2022</a:t>
             </a:fld>
             <a:endParaRPr lang="ru-RU"/>
           </a:p>
@@ -1818,7 +1819,7 @@
           <a:p>
             <a:fld id="{4564DCD7-30E3-4781-8FCE-603DB932AE09}" type="datetimeFigureOut">
               <a:rPr lang="ru-RU" smtClean="0"/>
-              <a:t>26.12.2022</a:t>
+              <a:t>27.12.2022</a:t>
             </a:fld>
             <a:endParaRPr lang="ru-RU"/>
           </a:p>
@@ -1959,7 +1960,7 @@
           <a:p>
             <a:fld id="{4564DCD7-30E3-4781-8FCE-603DB932AE09}" type="datetimeFigureOut">
               <a:rPr lang="ru-RU" smtClean="0"/>
-              <a:t>26.12.2022</a:t>
+              <a:t>27.12.2022</a:t>
             </a:fld>
             <a:endParaRPr lang="ru-RU"/>
           </a:p>
@@ -2072,7 +2073,7 @@
           <a:p>
             <a:fld id="{4564DCD7-30E3-4781-8FCE-603DB932AE09}" type="datetimeFigureOut">
               <a:rPr lang="ru-RU" smtClean="0"/>
-              <a:t>26.12.2022</a:t>
+              <a:t>27.12.2022</a:t>
             </a:fld>
             <a:endParaRPr lang="ru-RU"/>
           </a:p>
@@ -2383,7 +2384,7 @@
           <a:p>
             <a:fld id="{4564DCD7-30E3-4781-8FCE-603DB932AE09}" type="datetimeFigureOut">
               <a:rPr lang="ru-RU" smtClean="0"/>
-              <a:t>26.12.2022</a:t>
+              <a:t>27.12.2022</a:t>
             </a:fld>
             <a:endParaRPr lang="ru-RU"/>
           </a:p>
@@ -2671,7 +2672,7 @@
           <a:p>
             <a:fld id="{4564DCD7-30E3-4781-8FCE-603DB932AE09}" type="datetimeFigureOut">
               <a:rPr lang="ru-RU" smtClean="0"/>
-              <a:t>26.12.2022</a:t>
+              <a:t>27.12.2022</a:t>
             </a:fld>
             <a:endParaRPr lang="ru-RU"/>
           </a:p>
@@ -2912,7 +2913,7 @@
           <a:p>
             <a:fld id="{4564DCD7-30E3-4781-8FCE-603DB932AE09}" type="datetimeFigureOut">
               <a:rPr lang="ru-RU" smtClean="0"/>
-              <a:t>26.12.2022</a:t>
+              <a:t>27.12.2022</a:t>
             </a:fld>
             <a:endParaRPr lang="ru-RU"/>
           </a:p>
@@ -3940,8 +3941,24 @@
           <a:p>
             <a:pPr algn="l"/>
             <a:r>
-              <a:rPr lang="ru-RU"/>
+              <a:rPr lang="ru-RU" dirty="0"/>
               <a:t>Автор: Бабич Ростислав Олегович 11-Б</a:t>
+            </a:r>
+            <a:endParaRPr lang="en-US" dirty="0"/>
+          </a:p>
+          <a:p>
+            <a:pPr algn="l"/>
+            <a:r>
+              <a:rPr lang="ru-RU" dirty="0"/>
+              <a:t>Руководитель: </a:t>
+            </a:r>
+            <a:r>
+              <a:rPr lang="ru-RU" dirty="0" err="1"/>
+              <a:t>Муляшов</a:t>
+            </a:r>
+            <a:r>
+              <a:rPr lang="ru-RU" dirty="0"/>
+              <a:t> Нил Дмитриевич (педагог дополнительного образования)</a:t>
             </a:r>
           </a:p>
         </p:txBody>
@@ -4863,6 +4880,529 @@
           <p:cNvPr id="2" name="Заголовок 1">
             <a:extLst>
               <a:ext uri="{FF2B5EF4-FFF2-40B4-BE49-F238E27FC236}">
+                <a16:creationId xmlns:a16="http://schemas.microsoft.com/office/drawing/2014/main" id="{C775DBBE-E334-D562-F05D-5D2CCA9F1A31}"/>
+              </a:ext>
+            </a:extLst>
+          </p:cNvPr>
+          <p:cNvSpPr>
+            <a:spLocks noGrp="1"/>
+          </p:cNvSpPr>
+          <p:nvPr>
+            <p:ph type="title"/>
+          </p:nvPr>
+        </p:nvSpPr>
+        <p:spPr>
+          <a:xfrm>
+            <a:off x="1371599" y="294538"/>
+            <a:ext cx="9895951" cy="1033669"/>
+          </a:xfrm>
+        </p:spPr>
+        <p:txBody>
+          <a:bodyPr>
+            <a:normAutofit/>
+          </a:bodyPr>
+          <a:lstStyle/>
+          <a:p>
+            <a:pPr algn="ctr"/>
+            <a:r>
+              <a:rPr lang="ru-RU" sz="2400" dirty="0">
+                <a:solidFill>
+                  <a:srgbClr val="FFFFFF"/>
+                </a:solidFill>
+              </a:rPr>
+              <a:t>Что рассматривается в проекте.</a:t>
+            </a:r>
+          </a:p>
+        </p:txBody>
+      </p:sp>
+      <p:sp>
+        <p:nvSpPr>
+          <p:cNvPr id="3" name="Объект 2">
+            <a:extLst>
+              <a:ext uri="{FF2B5EF4-FFF2-40B4-BE49-F238E27FC236}">
+                <a16:creationId xmlns:a16="http://schemas.microsoft.com/office/drawing/2014/main" id="{49DBB7A4-F814-CF5F-D82B-4818D413B881}"/>
+              </a:ext>
+            </a:extLst>
+          </p:cNvPr>
+          <p:cNvSpPr>
+            <a:spLocks noGrp="1"/>
+          </p:cNvSpPr>
+          <p:nvPr>
+            <p:ph idx="1"/>
+          </p:nvPr>
+        </p:nvSpPr>
+        <p:spPr>
+          <a:xfrm>
+            <a:off x="1601595" y="2449584"/>
+            <a:ext cx="8988805" cy="2763405"/>
+          </a:xfrm>
+        </p:spPr>
+        <p:txBody>
+          <a:bodyPr anchor="ctr">
+            <a:normAutofit/>
+          </a:bodyPr>
+          <a:lstStyle/>
+          <a:p>
+            <a:pPr>
+              <a:lnSpc>
+                <a:spcPct val="150000"/>
+              </a:lnSpc>
+            </a:pPr>
+            <a:r>
+              <a:rPr lang="ru-RU" sz="1800" dirty="0"/>
+              <a:t>Объект: приложение под операционную систему </a:t>
+            </a:r>
+            <a:r>
+              <a:rPr lang="en-US" sz="1800" dirty="0"/>
+              <a:t>Windows.</a:t>
+            </a:r>
+            <a:endParaRPr lang="ru-RU" sz="1800" dirty="0"/>
+          </a:p>
+          <a:p>
+            <a:pPr>
+              <a:lnSpc>
+                <a:spcPct val="150000"/>
+              </a:lnSpc>
+            </a:pPr>
+            <a:r>
+              <a:rPr lang="ru-RU" sz="1800" dirty="0"/>
+              <a:t>Предмет: работа с интерфейсом и ОС с помощью</a:t>
+            </a:r>
+            <a:r>
+              <a:rPr lang="en-US" sz="1800" dirty="0"/>
+              <a:t>Windows API </a:t>
+            </a:r>
+            <a:r>
+              <a:rPr lang="ru-RU" sz="1800" dirty="0"/>
+              <a:t>и библиотек языка </a:t>
+            </a:r>
+            <a:r>
+              <a:rPr lang="en-US" sz="1800" dirty="0"/>
+              <a:t>C++.</a:t>
+            </a:r>
+            <a:endParaRPr lang="ru-RU" sz="1800" dirty="0"/>
+          </a:p>
+        </p:txBody>
+      </p:sp>
+    </p:spTree>
+    <p:extLst>
+      <p:ext uri="{BB962C8B-B14F-4D97-AF65-F5344CB8AC3E}">
+        <p14:creationId xmlns:p14="http://schemas.microsoft.com/office/powerpoint/2010/main" val="3586663079"/>
+      </p:ext>
+    </p:extLst>
+  </p:cSld>
+  <p:clrMapOvr>
+    <a:masterClrMapping/>
+  </p:clrMapOvr>
+</p:sld>
+</file>
+
+<file path=ppt/slides/slide4.xml><?xml version="1.0" encoding="utf-8"?>
+<p:sld xmlns:a="http://schemas.openxmlformats.org/drawingml/2006/main" xmlns:r="http://schemas.openxmlformats.org/officeDocument/2006/relationships" xmlns:p="http://schemas.openxmlformats.org/presentationml/2006/main">
+  <p:cSld>
+    <p:bg>
+      <p:bgPr>
+        <a:solidFill>
+          <a:schemeClr val="bg1"/>
+        </a:solidFill>
+        <a:effectLst/>
+      </p:bgPr>
+    </p:bg>
+    <p:spTree>
+      <p:nvGrpSpPr>
+        <p:cNvPr id="1" name=""/>
+        <p:cNvGrpSpPr/>
+        <p:nvPr/>
+      </p:nvGrpSpPr>
+      <p:grpSpPr>
+        <a:xfrm>
+          <a:off x="0" y="0"/>
+          <a:ext cx="0" cy="0"/>
+          <a:chOff x="0" y="0"/>
+          <a:chExt cx="0" cy="0"/>
+        </a:xfrm>
+      </p:grpSpPr>
+      <p:sp useBgFill="1">
+        <p:nvSpPr>
+          <p:cNvPr id="8" name="Rectangle 7">
+            <a:extLst>
+              <a:ext uri="{FF2B5EF4-FFF2-40B4-BE49-F238E27FC236}">
+                <a16:creationId xmlns:a16="http://schemas.microsoft.com/office/drawing/2014/main" id="{1B15ED52-F352-441B-82BF-E0EA34836D08}"/>
+              </a:ext>
+              <a:ext uri="{C183D7F6-B498-43B3-948B-1728B52AA6E4}">
+                <adec:decorative xmlns:adec="http://schemas.microsoft.com/office/drawing/2017/decorative" val="1"/>
+              </a:ext>
+            </a:extLst>
+          </p:cNvPr>
+          <p:cNvSpPr>
+            <a:spLocks noGrp="1" noRot="1" noChangeAspect="1" noMove="1" noResize="1" noEditPoints="1" noAdjustHandles="1" noChangeArrowheads="1" noChangeShapeType="1" noTextEdit="1"/>
+          </p:cNvSpPr>
+          <p:nvPr>
+            <p:extLst>
+              <p:ext uri="{386F3935-93C4-4BCD-93E2-E3B085C9AB24}">
+                <p16:designElem xmlns:p16="http://schemas.microsoft.com/office/powerpoint/2015/main" val="1"/>
+              </p:ext>
+            </p:extLst>
+          </p:nvPr>
+        </p:nvSpPr>
+        <p:spPr>
+          <a:xfrm>
+            <a:off x="0" y="0"/>
+            <a:ext cx="12192000" cy="6858000"/>
+          </a:xfrm>
+          <a:prstGeom prst="rect">
+            <a:avLst/>
+          </a:prstGeom>
+          <a:ln w="12700" cap="flat" cmpd="sng" algn="ctr">
+            <a:noFill/>
+            <a:prstDash val="solid"/>
+            <a:miter lim="800000"/>
+          </a:ln>
+          <a:effectLst/>
+          <a:extLst>
+            <a:ext uri="{91240B29-F687-4F45-9708-019B960494DF}">
+              <a14:hiddenLine xmlns:a14="http://schemas.microsoft.com/office/drawing/2010/main" w="12700" cap="flat" cmpd="sng" algn="ctr">
+                <a:solidFill>
+                  <a:schemeClr val="accent1">
+                    <a:shade val="50000"/>
+                  </a:schemeClr>
+                </a:solidFill>
+                <a:prstDash val="solid"/>
+                <a:miter lim="800000"/>
+              </a14:hiddenLine>
+            </a:ext>
+          </a:extLst>
+        </p:spPr>
+        <p:style>
+          <a:lnRef idx="2">
+            <a:schemeClr val="accent1">
+              <a:shade val="50000"/>
+            </a:schemeClr>
+          </a:lnRef>
+          <a:fillRef idx="1">
+            <a:schemeClr val="accent1"/>
+          </a:fillRef>
+          <a:effectRef idx="0">
+            <a:schemeClr val="accent1"/>
+          </a:effectRef>
+          <a:fontRef idx="minor">
+            <a:schemeClr val="lt1"/>
+          </a:fontRef>
+        </p:style>
+        <p:txBody>
+          <a:bodyPr rtlCol="0" anchor="ctr"/>
+          <a:lstStyle/>
+          <a:p>
+            <a:pPr algn="ctr"/>
+            <a:endParaRPr lang="en-US"/>
+          </a:p>
+        </p:txBody>
+      </p:sp>
+      <p:sp>
+        <p:nvSpPr>
+          <p:cNvPr id="10" name="Rectangle 9">
+            <a:extLst>
+              <a:ext uri="{FF2B5EF4-FFF2-40B4-BE49-F238E27FC236}">
+                <a16:creationId xmlns:a16="http://schemas.microsoft.com/office/drawing/2014/main" id="{3B2E3793-BFE6-45A2-9B7B-E18844431C99}"/>
+              </a:ext>
+              <a:ext uri="{C183D7F6-B498-43B3-948B-1728B52AA6E4}">
+                <adec:decorative xmlns:adec="http://schemas.microsoft.com/office/drawing/2017/decorative" val="1"/>
+              </a:ext>
+            </a:extLst>
+          </p:cNvPr>
+          <p:cNvSpPr>
+            <a:spLocks noGrp="1" noRot="1" noChangeAspect="1" noMove="1" noResize="1" noEditPoints="1" noAdjustHandles="1" noChangeArrowheads="1" noChangeShapeType="1" noTextEdit="1"/>
+          </p:cNvSpPr>
+          <p:nvPr>
+            <p:extLst>
+              <p:ext uri="{386F3935-93C4-4BCD-93E2-E3B085C9AB24}">
+                <p16:designElem xmlns:p16="http://schemas.microsoft.com/office/powerpoint/2015/main" val="1"/>
+              </p:ext>
+            </p:extLst>
+          </p:nvPr>
+        </p:nvSpPr>
+        <p:spPr>
+          <a:xfrm flipH="1">
+            <a:off x="-1" y="-1"/>
+            <a:ext cx="12191998" cy="1590742"/>
+          </a:xfrm>
+          <a:prstGeom prst="rect">
+            <a:avLst/>
+          </a:prstGeom>
+          <a:gradFill>
+            <a:gsLst>
+              <a:gs pos="0">
+                <a:srgbClr val="000000"/>
+              </a:gs>
+              <a:gs pos="100000">
+                <a:schemeClr val="accent1">
+                  <a:lumMod val="75000"/>
+                </a:schemeClr>
+              </a:gs>
+            </a:gsLst>
+            <a:lin ang="8400000" scaled="0"/>
+          </a:gradFill>
+          <a:ln>
+            <a:noFill/>
+          </a:ln>
+        </p:spPr>
+        <p:style>
+          <a:lnRef idx="2">
+            <a:schemeClr val="accent1">
+              <a:shade val="50000"/>
+            </a:schemeClr>
+          </a:lnRef>
+          <a:fillRef idx="1">
+            <a:schemeClr val="accent1"/>
+          </a:fillRef>
+          <a:effectRef idx="0">
+            <a:schemeClr val="accent1"/>
+          </a:effectRef>
+          <a:fontRef idx="minor">
+            <a:schemeClr val="lt1"/>
+          </a:fontRef>
+        </p:style>
+        <p:txBody>
+          <a:bodyPr rtlCol="0" anchor="ctr"/>
+          <a:lstStyle/>
+          <a:p>
+            <a:pPr algn="ctr"/>
+            <a:endParaRPr lang="en-US"/>
+          </a:p>
+        </p:txBody>
+      </p:sp>
+      <p:sp>
+        <p:nvSpPr>
+          <p:cNvPr id="12" name="Rectangle 11">
+            <a:extLst>
+              <a:ext uri="{FF2B5EF4-FFF2-40B4-BE49-F238E27FC236}">
+                <a16:creationId xmlns:a16="http://schemas.microsoft.com/office/drawing/2014/main" id="{BC4C4868-CB8F-4AF9-9CDB-8108F2C19B67}"/>
+              </a:ext>
+              <a:ext uri="{C183D7F6-B498-43B3-948B-1728B52AA6E4}">
+                <adec:decorative xmlns:adec="http://schemas.microsoft.com/office/drawing/2017/decorative" val="1"/>
+              </a:ext>
+            </a:extLst>
+          </p:cNvPr>
+          <p:cNvSpPr>
+            <a:spLocks noGrp="1" noRot="1" noChangeAspect="1" noMove="1" noResize="1" noEditPoints="1" noAdjustHandles="1" noChangeArrowheads="1" noChangeShapeType="1" noTextEdit="1"/>
+          </p:cNvSpPr>
+          <p:nvPr>
+            <p:extLst>
+              <p:ext uri="{386F3935-93C4-4BCD-93E2-E3B085C9AB24}">
+                <p16:designElem xmlns:p16="http://schemas.microsoft.com/office/powerpoint/2015/main" val="1"/>
+              </p:ext>
+            </p:extLst>
+          </p:nvPr>
+        </p:nvSpPr>
+        <p:spPr>
+          <a:xfrm rot="10800000" flipH="1">
+            <a:off x="-3" y="0"/>
+            <a:ext cx="8115306" cy="1590742"/>
+          </a:xfrm>
+          <a:prstGeom prst="rect">
+            <a:avLst/>
+          </a:prstGeom>
+          <a:gradFill>
+            <a:gsLst>
+              <a:gs pos="20000">
+                <a:schemeClr val="accent1">
+                  <a:alpha val="0"/>
+                </a:schemeClr>
+              </a:gs>
+              <a:gs pos="100000">
+                <a:schemeClr val="accent1">
+                  <a:lumMod val="50000"/>
+                  <a:alpha val="55000"/>
+                </a:schemeClr>
+              </a:gs>
+            </a:gsLst>
+            <a:lin ang="13800000" scaled="0"/>
+          </a:gradFill>
+          <a:ln>
+            <a:noFill/>
+          </a:ln>
+        </p:spPr>
+        <p:style>
+          <a:lnRef idx="2">
+            <a:schemeClr val="accent1">
+              <a:shade val="50000"/>
+            </a:schemeClr>
+          </a:lnRef>
+          <a:fillRef idx="1">
+            <a:schemeClr val="accent1"/>
+          </a:fillRef>
+          <a:effectRef idx="0">
+            <a:schemeClr val="accent1"/>
+          </a:effectRef>
+          <a:fontRef idx="minor">
+            <a:schemeClr val="lt1"/>
+          </a:fontRef>
+        </p:style>
+        <p:txBody>
+          <a:bodyPr rtlCol="0" anchor="ctr"/>
+          <a:lstStyle/>
+          <a:p>
+            <a:pPr algn="ctr"/>
+            <a:endParaRPr lang="en-US"/>
+          </a:p>
+        </p:txBody>
+      </p:sp>
+      <p:sp>
+        <p:nvSpPr>
+          <p:cNvPr id="14" name="Rectangle 13">
+            <a:extLst>
+              <a:ext uri="{FF2B5EF4-FFF2-40B4-BE49-F238E27FC236}">
+                <a16:creationId xmlns:a16="http://schemas.microsoft.com/office/drawing/2014/main" id="{375E0459-6403-40CD-989D-56A4407CA12E}"/>
+              </a:ext>
+              <a:ext uri="{C183D7F6-B498-43B3-948B-1728B52AA6E4}">
+                <adec:decorative xmlns:adec="http://schemas.microsoft.com/office/drawing/2017/decorative" val="1"/>
+              </a:ext>
+            </a:extLst>
+          </p:cNvPr>
+          <p:cNvSpPr>
+            <a:spLocks noGrp="1" noRot="1" noChangeAspect="1" noMove="1" noResize="1" noEditPoints="1" noAdjustHandles="1" noChangeArrowheads="1" noChangeShapeType="1" noTextEdit="1"/>
+          </p:cNvSpPr>
+          <p:nvPr>
+            <p:extLst>
+              <p:ext uri="{386F3935-93C4-4BCD-93E2-E3B085C9AB24}">
+                <p16:designElem xmlns:p16="http://schemas.microsoft.com/office/powerpoint/2015/main" val="1"/>
+              </p:ext>
+            </p:extLst>
+          </p:nvPr>
+        </p:nvSpPr>
+        <p:spPr>
+          <a:xfrm flipH="1">
+            <a:off x="8115299" y="-1"/>
+            <a:ext cx="4076698" cy="1590742"/>
+          </a:xfrm>
+          <a:prstGeom prst="rect">
+            <a:avLst/>
+          </a:prstGeom>
+          <a:gradFill>
+            <a:gsLst>
+              <a:gs pos="0">
+                <a:schemeClr val="accent1">
+                  <a:alpha val="66000"/>
+                </a:schemeClr>
+              </a:gs>
+              <a:gs pos="100000">
+                <a:srgbClr val="000000">
+                  <a:alpha val="30000"/>
+                </a:srgbClr>
+              </a:gs>
+            </a:gsLst>
+            <a:lin ang="13200000" scaled="0"/>
+          </a:gradFill>
+          <a:ln>
+            <a:noFill/>
+          </a:ln>
+        </p:spPr>
+        <p:style>
+          <a:lnRef idx="2">
+            <a:schemeClr val="accent1">
+              <a:shade val="50000"/>
+            </a:schemeClr>
+          </a:lnRef>
+          <a:fillRef idx="1">
+            <a:schemeClr val="accent1"/>
+          </a:fillRef>
+          <a:effectRef idx="0">
+            <a:schemeClr val="accent1"/>
+          </a:effectRef>
+          <a:fontRef idx="minor">
+            <a:schemeClr val="lt1"/>
+          </a:fontRef>
+        </p:style>
+        <p:txBody>
+          <a:bodyPr rtlCol="0" anchor="ctr"/>
+          <a:lstStyle/>
+          <a:p>
+            <a:pPr algn="ctr"/>
+            <a:endParaRPr lang="en-US"/>
+          </a:p>
+        </p:txBody>
+      </p:sp>
+      <p:sp>
+        <p:nvSpPr>
+          <p:cNvPr id="16" name="Rectangle 15">
+            <a:extLst>
+              <a:ext uri="{FF2B5EF4-FFF2-40B4-BE49-F238E27FC236}">
+                <a16:creationId xmlns:a16="http://schemas.microsoft.com/office/drawing/2014/main" id="{53E5B1A8-3AC9-4BD1-9BBC-78CA94F2D1BA}"/>
+              </a:ext>
+              <a:ext uri="{C183D7F6-B498-43B3-948B-1728B52AA6E4}">
+                <adec:decorative xmlns:adec="http://schemas.microsoft.com/office/drawing/2017/decorative" val="1"/>
+              </a:ext>
+            </a:extLst>
+          </p:cNvPr>
+          <p:cNvSpPr>
+            <a:spLocks noGrp="1" noRot="1" noChangeAspect="1" noMove="1" noResize="1" noEditPoints="1" noAdjustHandles="1" noChangeArrowheads="1" noChangeShapeType="1" noTextEdit="1"/>
+          </p:cNvSpPr>
+          <p:nvPr>
+            <p:extLst>
+              <p:ext uri="{386F3935-93C4-4BCD-93E2-E3B085C9AB24}">
+                <p16:designElem xmlns:p16="http://schemas.microsoft.com/office/powerpoint/2015/main" val="1"/>
+              </p:ext>
+            </p:extLst>
+          </p:nvPr>
+        </p:nvSpPr>
+        <p:spPr>
+          <a:xfrm>
+            <a:off x="459350" y="-1"/>
+            <a:ext cx="11732646" cy="1597433"/>
+          </a:xfrm>
+          <a:prstGeom prst="rect">
+            <a:avLst/>
+          </a:prstGeom>
+          <a:gradFill>
+            <a:gsLst>
+              <a:gs pos="50000">
+                <a:srgbClr val="000000">
+                  <a:alpha val="0"/>
+                </a:srgbClr>
+              </a:gs>
+              <a:gs pos="99000">
+                <a:schemeClr val="accent1">
+                  <a:lumMod val="50000"/>
+                  <a:alpha val="52000"/>
+                </a:schemeClr>
+              </a:gs>
+            </a:gsLst>
+            <a:lin ang="16800000" scaled="0"/>
+          </a:gradFill>
+          <a:ln>
+            <a:noFill/>
+          </a:ln>
+        </p:spPr>
+        <p:style>
+          <a:lnRef idx="2">
+            <a:schemeClr val="accent1">
+              <a:shade val="50000"/>
+            </a:schemeClr>
+          </a:lnRef>
+          <a:fillRef idx="1">
+            <a:schemeClr val="accent1"/>
+          </a:fillRef>
+          <a:effectRef idx="0">
+            <a:schemeClr val="accent1"/>
+          </a:effectRef>
+          <a:fontRef idx="minor">
+            <a:schemeClr val="lt1"/>
+          </a:fontRef>
+        </p:style>
+        <p:txBody>
+          <a:bodyPr rtlCol="0" anchor="ctr"/>
+          <a:lstStyle/>
+          <a:p>
+            <a:pPr algn="ctr"/>
+            <a:endParaRPr lang="en-US"/>
+          </a:p>
+        </p:txBody>
+      </p:sp>
+      <p:sp>
+        <p:nvSpPr>
+          <p:cNvPr id="2" name="Заголовок 1">
+            <a:extLst>
+              <a:ext uri="{FF2B5EF4-FFF2-40B4-BE49-F238E27FC236}">
                 <a16:creationId xmlns:a16="http://schemas.microsoft.com/office/drawing/2014/main" id="{A40C5D26-E29C-CED0-E62B-4E4EB2819DF7}"/>
               </a:ext>
             </a:extLst>
@@ -4955,7 +5495,7 @@
 </p:sld>
 </file>
 
-<file path=ppt/slides/slide4.xml><?xml version="1.0" encoding="utf-8"?>
+<file path=ppt/slides/slide5.xml><?xml version="1.0" encoding="utf-8"?>
 <p:sld xmlns:a="http://schemas.openxmlformats.org/drawingml/2006/main" xmlns:r="http://schemas.openxmlformats.org/officeDocument/2006/relationships" xmlns:p="http://schemas.openxmlformats.org/presentationml/2006/main">
   <p:cSld>
     <p:bg>

--- a/Презентация.pptx
+++ b/Презентация.pptx
@@ -9,7 +9,10 @@
     <p:sldId id="257" r:id="rId3"/>
     <p:sldId id="260" r:id="rId4"/>
     <p:sldId id="258" r:id="rId5"/>
-    <p:sldId id="259" r:id="rId6"/>
+    <p:sldId id="261" r:id="rId6"/>
+    <p:sldId id="262" r:id="rId7"/>
+    <p:sldId id="263" r:id="rId8"/>
+    <p:sldId id="264" r:id="rId9"/>
   </p:sldIdLst>
   <p:sldSz cx="12192000" cy="6858000"/>
   <p:notesSz cx="6858000" cy="9144000"/>
@@ -263,7 +266,7 @@
           <a:p>
             <a:fld id="{4564DCD7-30E3-4781-8FCE-603DB932AE09}" type="datetimeFigureOut">
               <a:rPr lang="ru-RU" smtClean="0"/>
-              <a:t>27.12.2022</a:t>
+              <a:t>29.12.2022</a:t>
             </a:fld>
             <a:endParaRPr lang="ru-RU"/>
           </a:p>
@@ -461,7 +464,7 @@
           <a:p>
             <a:fld id="{4564DCD7-30E3-4781-8FCE-603DB932AE09}" type="datetimeFigureOut">
               <a:rPr lang="ru-RU" smtClean="0"/>
-              <a:t>27.12.2022</a:t>
+              <a:t>29.12.2022</a:t>
             </a:fld>
             <a:endParaRPr lang="ru-RU"/>
           </a:p>
@@ -669,7 +672,7 @@
           <a:p>
             <a:fld id="{4564DCD7-30E3-4781-8FCE-603DB932AE09}" type="datetimeFigureOut">
               <a:rPr lang="ru-RU" smtClean="0"/>
-              <a:t>27.12.2022</a:t>
+              <a:t>29.12.2022</a:t>
             </a:fld>
             <a:endParaRPr lang="ru-RU"/>
           </a:p>
@@ -867,7 +870,7 @@
           <a:p>
             <a:fld id="{4564DCD7-30E3-4781-8FCE-603DB932AE09}" type="datetimeFigureOut">
               <a:rPr lang="ru-RU" smtClean="0"/>
-              <a:t>27.12.2022</a:t>
+              <a:t>29.12.2022</a:t>
             </a:fld>
             <a:endParaRPr lang="ru-RU"/>
           </a:p>
@@ -1142,7 +1145,7 @@
           <a:p>
             <a:fld id="{4564DCD7-30E3-4781-8FCE-603DB932AE09}" type="datetimeFigureOut">
               <a:rPr lang="ru-RU" smtClean="0"/>
-              <a:t>27.12.2022</a:t>
+              <a:t>29.12.2022</a:t>
             </a:fld>
             <a:endParaRPr lang="ru-RU"/>
           </a:p>
@@ -1407,7 +1410,7 @@
           <a:p>
             <a:fld id="{4564DCD7-30E3-4781-8FCE-603DB932AE09}" type="datetimeFigureOut">
               <a:rPr lang="ru-RU" smtClean="0"/>
-              <a:t>27.12.2022</a:t>
+              <a:t>29.12.2022</a:t>
             </a:fld>
             <a:endParaRPr lang="ru-RU"/>
           </a:p>
@@ -1819,7 +1822,7 @@
           <a:p>
             <a:fld id="{4564DCD7-30E3-4781-8FCE-603DB932AE09}" type="datetimeFigureOut">
               <a:rPr lang="ru-RU" smtClean="0"/>
-              <a:t>27.12.2022</a:t>
+              <a:t>29.12.2022</a:t>
             </a:fld>
             <a:endParaRPr lang="ru-RU"/>
           </a:p>
@@ -1960,7 +1963,7 @@
           <a:p>
             <a:fld id="{4564DCD7-30E3-4781-8FCE-603DB932AE09}" type="datetimeFigureOut">
               <a:rPr lang="ru-RU" smtClean="0"/>
-              <a:t>27.12.2022</a:t>
+              <a:t>29.12.2022</a:t>
             </a:fld>
             <a:endParaRPr lang="ru-RU"/>
           </a:p>
@@ -2073,7 +2076,7 @@
           <a:p>
             <a:fld id="{4564DCD7-30E3-4781-8FCE-603DB932AE09}" type="datetimeFigureOut">
               <a:rPr lang="ru-RU" smtClean="0"/>
-              <a:t>27.12.2022</a:t>
+              <a:t>29.12.2022</a:t>
             </a:fld>
             <a:endParaRPr lang="ru-RU"/>
           </a:p>
@@ -2384,7 +2387,7 @@
           <a:p>
             <a:fld id="{4564DCD7-30E3-4781-8FCE-603DB932AE09}" type="datetimeFigureOut">
               <a:rPr lang="ru-RU" smtClean="0"/>
-              <a:t>27.12.2022</a:t>
+              <a:t>29.12.2022</a:t>
             </a:fld>
             <a:endParaRPr lang="ru-RU"/>
           </a:p>
@@ -2672,7 +2675,7 @@
           <a:p>
             <a:fld id="{4564DCD7-30E3-4781-8FCE-603DB932AE09}" type="datetimeFigureOut">
               <a:rPr lang="ru-RU" smtClean="0"/>
-              <a:t>27.12.2022</a:t>
+              <a:t>29.12.2022</a:t>
             </a:fld>
             <a:endParaRPr lang="ru-RU"/>
           </a:p>
@@ -2913,7 +2916,7 @@
           <a:p>
             <a:fld id="{4564DCD7-30E3-4781-8FCE-603DB932AE09}" type="datetimeFigureOut">
               <a:rPr lang="ru-RU" smtClean="0"/>
-              <a:t>27.12.2022</a:t>
+              <a:t>29.12.2022</a:t>
             </a:fld>
             <a:endParaRPr lang="ru-RU"/>
           </a:p>
@@ -3958,7 +3961,11 @@
             </a:r>
             <a:r>
               <a:rPr lang="ru-RU" dirty="0"/>
-              <a:t> Нил Дмитриевич (педагог дополнительного образования)</a:t>
+              <a:t> Нил Дмитриевич (педагог дополнительного </a:t>
+            </a:r>
+            <a:r>
+              <a:rPr lang="ru-RU"/>
+              <a:t>образования)</a:t>
             </a:r>
           </a:p>
         </p:txBody>
@@ -4974,7 +4981,7 @@
             </a:r>
             <a:r>
               <a:rPr lang="ru-RU" sz="1800" dirty="0"/>
-              <a:t>и библиотек языка </a:t>
+              <a:t>и библиотек языка программирования (ЯП) </a:t>
             </a:r>
             <a:r>
               <a:rPr lang="en-US" sz="1800" dirty="0"/>
@@ -5901,7 +5908,587 @@
           <p:cNvPr id="2" name="Заголовок 1">
             <a:extLst>
               <a:ext uri="{FF2B5EF4-FFF2-40B4-BE49-F238E27FC236}">
-                <a16:creationId xmlns:a16="http://schemas.microsoft.com/office/drawing/2014/main" id="{15877E0B-797A-9F8F-5A7A-F9FCCDF10E75}"/>
+                <a16:creationId xmlns:a16="http://schemas.microsoft.com/office/drawing/2014/main" id="{C08D5CF2-6EB4-17DF-E83E-B36FBB8CD22D}"/>
+              </a:ext>
+            </a:extLst>
+          </p:cNvPr>
+          <p:cNvSpPr>
+            <a:spLocks noGrp="1"/>
+          </p:cNvSpPr>
+          <p:nvPr>
+            <p:ph type="title"/>
+          </p:nvPr>
+        </p:nvSpPr>
+        <p:spPr>
+          <a:xfrm>
+            <a:off x="1371599" y="294538"/>
+            <a:ext cx="9895951" cy="1033669"/>
+          </a:xfrm>
+        </p:spPr>
+        <p:txBody>
+          <a:bodyPr>
+            <a:normAutofit/>
+          </a:bodyPr>
+          <a:lstStyle/>
+          <a:p>
+            <a:pPr algn="ctr"/>
+            <a:r>
+              <a:rPr lang="ru-RU" sz="2400" dirty="0">
+                <a:solidFill>
+                  <a:srgbClr val="FFFFFF"/>
+                </a:solidFill>
+              </a:rPr>
+              <a:t>Задачи.</a:t>
+            </a:r>
+          </a:p>
+        </p:txBody>
+      </p:sp>
+      <p:sp>
+        <p:nvSpPr>
+          <p:cNvPr id="3" name="Объект 2">
+            <a:extLst>
+              <a:ext uri="{FF2B5EF4-FFF2-40B4-BE49-F238E27FC236}">
+                <a16:creationId xmlns:a16="http://schemas.microsoft.com/office/drawing/2014/main" id="{66454F16-810F-EACE-D01A-57CDE3CCE6B3}"/>
+              </a:ext>
+            </a:extLst>
+          </p:cNvPr>
+          <p:cNvSpPr>
+            <a:spLocks noGrp="1"/>
+          </p:cNvSpPr>
+          <p:nvPr>
+            <p:ph idx="1"/>
+          </p:nvPr>
+        </p:nvSpPr>
+        <p:spPr>
+          <a:xfrm>
+            <a:off x="3447173" y="2267864"/>
+            <a:ext cx="5297649" cy="3683358"/>
+          </a:xfrm>
+        </p:spPr>
+        <p:txBody>
+          <a:bodyPr anchor="ctr">
+            <a:normAutofit/>
+          </a:bodyPr>
+          <a:lstStyle/>
+          <a:p>
+            <a:pPr marL="457200" indent="-457200">
+              <a:lnSpc>
+                <a:spcPct val="150000"/>
+              </a:lnSpc>
+              <a:buFont typeface="+mj-lt"/>
+              <a:buAutoNum type="arabicPeriod"/>
+            </a:pPr>
+            <a:r>
+              <a:rPr lang="ru-RU" sz="1800" dirty="0"/>
+              <a:t>Изучение работы </a:t>
+            </a:r>
+            <a:r>
+              <a:rPr lang="en-US" sz="1800" dirty="0"/>
+              <a:t>Windows API </a:t>
+            </a:r>
+            <a:r>
+              <a:rPr lang="ru-RU" sz="1800" dirty="0"/>
+              <a:t>и библиотек ЯП</a:t>
+            </a:r>
+          </a:p>
+          <a:p>
+            <a:pPr marL="914400" lvl="1" indent="-457200">
+              <a:lnSpc>
+                <a:spcPct val="150000"/>
+              </a:lnSpc>
+              <a:buFont typeface="+mj-lt"/>
+              <a:buAutoNum type="alphaLcParenR"/>
+            </a:pPr>
+            <a:r>
+              <a:rPr lang="ru-RU" sz="1800" dirty="0"/>
+              <a:t>Работа с интерфейсом </a:t>
+            </a:r>
+            <a:r>
+              <a:rPr lang="en-US" sz="1800" dirty="0"/>
+              <a:t>(Windows API)</a:t>
+            </a:r>
+          </a:p>
+          <a:p>
+            <a:pPr marL="914400" lvl="1" indent="-457200">
+              <a:lnSpc>
+                <a:spcPct val="150000"/>
+              </a:lnSpc>
+              <a:buFont typeface="+mj-lt"/>
+              <a:buAutoNum type="alphaLcParenR"/>
+            </a:pPr>
+            <a:r>
+              <a:rPr lang="ru-RU" sz="1800" dirty="0"/>
+              <a:t>Работа с ОС (библиотеки)</a:t>
+            </a:r>
+          </a:p>
+          <a:p>
+            <a:pPr marL="457200" indent="-457200">
+              <a:lnSpc>
+                <a:spcPct val="150000"/>
+              </a:lnSpc>
+              <a:buFont typeface="+mj-lt"/>
+              <a:buAutoNum type="arabicPeriod"/>
+            </a:pPr>
+            <a:r>
+              <a:rPr lang="ru-RU" sz="1800" dirty="0"/>
+              <a:t>Создание самого приложения</a:t>
+            </a:r>
+          </a:p>
+          <a:p>
+            <a:pPr marL="914400" lvl="1" indent="-457200">
+              <a:lnSpc>
+                <a:spcPct val="150000"/>
+              </a:lnSpc>
+              <a:buFont typeface="+mj-lt"/>
+              <a:buAutoNum type="alphaLcParenR"/>
+            </a:pPr>
+            <a:r>
+              <a:rPr lang="ru-RU" sz="1800" dirty="0"/>
+              <a:t>Создание интерфейса</a:t>
+            </a:r>
+          </a:p>
+          <a:p>
+            <a:pPr marL="914400" lvl="1" indent="-457200">
+              <a:lnSpc>
+                <a:spcPct val="150000"/>
+              </a:lnSpc>
+              <a:buFont typeface="+mj-lt"/>
+              <a:buAutoNum type="alphaLcParenR"/>
+            </a:pPr>
+            <a:r>
+              <a:rPr lang="ru-RU" sz="1800" dirty="0"/>
+              <a:t>Создание работы настроек</a:t>
+            </a:r>
+          </a:p>
+          <a:p>
+            <a:pPr marL="914400" lvl="1" indent="-457200">
+              <a:buFont typeface="+mj-lt"/>
+              <a:buAutoNum type="alphaLcParenR"/>
+            </a:pPr>
+            <a:endParaRPr lang="ru-RU" sz="1800" dirty="0"/>
+          </a:p>
+        </p:txBody>
+      </p:sp>
+    </p:spTree>
+    <p:extLst>
+      <p:ext uri="{BB962C8B-B14F-4D97-AF65-F5344CB8AC3E}">
+        <p14:creationId xmlns:p14="http://schemas.microsoft.com/office/powerpoint/2010/main" val="3147311632"/>
+      </p:ext>
+    </p:extLst>
+  </p:cSld>
+  <p:clrMapOvr>
+    <a:masterClrMapping/>
+  </p:clrMapOvr>
+</p:sld>
+</file>
+
+<file path=ppt/slides/slide6.xml><?xml version="1.0" encoding="utf-8"?>
+<p:sld xmlns:a="http://schemas.openxmlformats.org/drawingml/2006/main" xmlns:r="http://schemas.openxmlformats.org/officeDocument/2006/relationships" xmlns:p="http://schemas.openxmlformats.org/presentationml/2006/main">
+  <p:cSld>
+    <p:bg>
+      <p:bgPr>
+        <a:solidFill>
+          <a:schemeClr val="bg1"/>
+        </a:solidFill>
+        <a:effectLst/>
+      </p:bgPr>
+    </p:bg>
+    <p:spTree>
+      <p:nvGrpSpPr>
+        <p:cNvPr id="1" name=""/>
+        <p:cNvGrpSpPr/>
+        <p:nvPr/>
+      </p:nvGrpSpPr>
+      <p:grpSpPr>
+        <a:xfrm>
+          <a:off x="0" y="0"/>
+          <a:ext cx="0" cy="0"/>
+          <a:chOff x="0" y="0"/>
+          <a:chExt cx="0" cy="0"/>
+        </a:xfrm>
+      </p:grpSpPr>
+      <p:sp useBgFill="1">
+        <p:nvSpPr>
+          <p:cNvPr id="8" name="Rectangle 7">
+            <a:extLst>
+              <a:ext uri="{FF2B5EF4-FFF2-40B4-BE49-F238E27FC236}">
+                <a16:creationId xmlns:a16="http://schemas.microsoft.com/office/drawing/2014/main" id="{1B15ED52-F352-441B-82BF-E0EA34836D08}"/>
+              </a:ext>
+              <a:ext uri="{C183D7F6-B498-43B3-948B-1728B52AA6E4}">
+                <adec:decorative xmlns:adec="http://schemas.microsoft.com/office/drawing/2017/decorative" val="1"/>
+              </a:ext>
+            </a:extLst>
+          </p:cNvPr>
+          <p:cNvSpPr>
+            <a:spLocks noGrp="1" noRot="1" noChangeAspect="1" noMove="1" noResize="1" noEditPoints="1" noAdjustHandles="1" noChangeArrowheads="1" noChangeShapeType="1" noTextEdit="1"/>
+          </p:cNvSpPr>
+          <p:nvPr>
+            <p:extLst>
+              <p:ext uri="{386F3935-93C4-4BCD-93E2-E3B085C9AB24}">
+                <p16:designElem xmlns:p16="http://schemas.microsoft.com/office/powerpoint/2015/main" val="1"/>
+              </p:ext>
+            </p:extLst>
+          </p:nvPr>
+        </p:nvSpPr>
+        <p:spPr>
+          <a:xfrm>
+            <a:off x="0" y="0"/>
+            <a:ext cx="12192000" cy="6858000"/>
+          </a:xfrm>
+          <a:prstGeom prst="rect">
+            <a:avLst/>
+          </a:prstGeom>
+          <a:ln w="12700" cap="flat" cmpd="sng" algn="ctr">
+            <a:noFill/>
+            <a:prstDash val="solid"/>
+            <a:miter lim="800000"/>
+          </a:ln>
+          <a:effectLst/>
+          <a:extLst>
+            <a:ext uri="{91240B29-F687-4F45-9708-019B960494DF}">
+              <a14:hiddenLine xmlns:a14="http://schemas.microsoft.com/office/drawing/2010/main" w="12700" cap="flat" cmpd="sng" algn="ctr">
+                <a:solidFill>
+                  <a:schemeClr val="accent1">
+                    <a:shade val="50000"/>
+                  </a:schemeClr>
+                </a:solidFill>
+                <a:prstDash val="solid"/>
+                <a:miter lim="800000"/>
+              </a14:hiddenLine>
+            </a:ext>
+          </a:extLst>
+        </p:spPr>
+        <p:style>
+          <a:lnRef idx="2">
+            <a:schemeClr val="accent1">
+              <a:shade val="50000"/>
+            </a:schemeClr>
+          </a:lnRef>
+          <a:fillRef idx="1">
+            <a:schemeClr val="accent1"/>
+          </a:fillRef>
+          <a:effectRef idx="0">
+            <a:schemeClr val="accent1"/>
+          </a:effectRef>
+          <a:fontRef idx="minor">
+            <a:schemeClr val="lt1"/>
+          </a:fontRef>
+        </p:style>
+        <p:txBody>
+          <a:bodyPr rtlCol="0" anchor="ctr"/>
+          <a:lstStyle/>
+          <a:p>
+            <a:pPr algn="ctr"/>
+            <a:endParaRPr lang="en-US"/>
+          </a:p>
+        </p:txBody>
+      </p:sp>
+      <p:sp>
+        <p:nvSpPr>
+          <p:cNvPr id="10" name="Rectangle 9">
+            <a:extLst>
+              <a:ext uri="{FF2B5EF4-FFF2-40B4-BE49-F238E27FC236}">
+                <a16:creationId xmlns:a16="http://schemas.microsoft.com/office/drawing/2014/main" id="{3B2E3793-BFE6-45A2-9B7B-E18844431C99}"/>
+              </a:ext>
+              <a:ext uri="{C183D7F6-B498-43B3-948B-1728B52AA6E4}">
+                <adec:decorative xmlns:adec="http://schemas.microsoft.com/office/drawing/2017/decorative" val="1"/>
+              </a:ext>
+            </a:extLst>
+          </p:cNvPr>
+          <p:cNvSpPr>
+            <a:spLocks noGrp="1" noRot="1" noChangeAspect="1" noMove="1" noResize="1" noEditPoints="1" noAdjustHandles="1" noChangeArrowheads="1" noChangeShapeType="1" noTextEdit="1"/>
+          </p:cNvSpPr>
+          <p:nvPr>
+            <p:extLst>
+              <p:ext uri="{386F3935-93C4-4BCD-93E2-E3B085C9AB24}">
+                <p16:designElem xmlns:p16="http://schemas.microsoft.com/office/powerpoint/2015/main" val="1"/>
+              </p:ext>
+            </p:extLst>
+          </p:nvPr>
+        </p:nvSpPr>
+        <p:spPr>
+          <a:xfrm flipH="1">
+            <a:off x="-1" y="-1"/>
+            <a:ext cx="12191998" cy="1590742"/>
+          </a:xfrm>
+          <a:prstGeom prst="rect">
+            <a:avLst/>
+          </a:prstGeom>
+          <a:gradFill>
+            <a:gsLst>
+              <a:gs pos="0">
+                <a:srgbClr val="000000"/>
+              </a:gs>
+              <a:gs pos="100000">
+                <a:schemeClr val="accent1">
+                  <a:lumMod val="75000"/>
+                </a:schemeClr>
+              </a:gs>
+            </a:gsLst>
+            <a:lin ang="8400000" scaled="0"/>
+          </a:gradFill>
+          <a:ln>
+            <a:noFill/>
+          </a:ln>
+        </p:spPr>
+        <p:style>
+          <a:lnRef idx="2">
+            <a:schemeClr val="accent1">
+              <a:shade val="50000"/>
+            </a:schemeClr>
+          </a:lnRef>
+          <a:fillRef idx="1">
+            <a:schemeClr val="accent1"/>
+          </a:fillRef>
+          <a:effectRef idx="0">
+            <a:schemeClr val="accent1"/>
+          </a:effectRef>
+          <a:fontRef idx="minor">
+            <a:schemeClr val="lt1"/>
+          </a:fontRef>
+        </p:style>
+        <p:txBody>
+          <a:bodyPr rtlCol="0" anchor="ctr"/>
+          <a:lstStyle/>
+          <a:p>
+            <a:pPr algn="ctr"/>
+            <a:endParaRPr lang="en-US"/>
+          </a:p>
+        </p:txBody>
+      </p:sp>
+      <p:sp>
+        <p:nvSpPr>
+          <p:cNvPr id="12" name="Rectangle 11">
+            <a:extLst>
+              <a:ext uri="{FF2B5EF4-FFF2-40B4-BE49-F238E27FC236}">
+                <a16:creationId xmlns:a16="http://schemas.microsoft.com/office/drawing/2014/main" id="{BC4C4868-CB8F-4AF9-9CDB-8108F2C19B67}"/>
+              </a:ext>
+              <a:ext uri="{C183D7F6-B498-43B3-948B-1728B52AA6E4}">
+                <adec:decorative xmlns:adec="http://schemas.microsoft.com/office/drawing/2017/decorative" val="1"/>
+              </a:ext>
+            </a:extLst>
+          </p:cNvPr>
+          <p:cNvSpPr>
+            <a:spLocks noGrp="1" noRot="1" noChangeAspect="1" noMove="1" noResize="1" noEditPoints="1" noAdjustHandles="1" noChangeArrowheads="1" noChangeShapeType="1" noTextEdit="1"/>
+          </p:cNvSpPr>
+          <p:nvPr>
+            <p:extLst>
+              <p:ext uri="{386F3935-93C4-4BCD-93E2-E3B085C9AB24}">
+                <p16:designElem xmlns:p16="http://schemas.microsoft.com/office/powerpoint/2015/main" val="1"/>
+              </p:ext>
+            </p:extLst>
+          </p:nvPr>
+        </p:nvSpPr>
+        <p:spPr>
+          <a:xfrm rot="10800000" flipH="1">
+            <a:off x="-3" y="0"/>
+            <a:ext cx="8115306" cy="1590742"/>
+          </a:xfrm>
+          <a:prstGeom prst="rect">
+            <a:avLst/>
+          </a:prstGeom>
+          <a:gradFill>
+            <a:gsLst>
+              <a:gs pos="20000">
+                <a:schemeClr val="accent1">
+                  <a:alpha val="0"/>
+                </a:schemeClr>
+              </a:gs>
+              <a:gs pos="100000">
+                <a:schemeClr val="accent1">
+                  <a:lumMod val="50000"/>
+                  <a:alpha val="55000"/>
+                </a:schemeClr>
+              </a:gs>
+            </a:gsLst>
+            <a:lin ang="13800000" scaled="0"/>
+          </a:gradFill>
+          <a:ln>
+            <a:noFill/>
+          </a:ln>
+        </p:spPr>
+        <p:style>
+          <a:lnRef idx="2">
+            <a:schemeClr val="accent1">
+              <a:shade val="50000"/>
+            </a:schemeClr>
+          </a:lnRef>
+          <a:fillRef idx="1">
+            <a:schemeClr val="accent1"/>
+          </a:fillRef>
+          <a:effectRef idx="0">
+            <a:schemeClr val="accent1"/>
+          </a:effectRef>
+          <a:fontRef idx="minor">
+            <a:schemeClr val="lt1"/>
+          </a:fontRef>
+        </p:style>
+        <p:txBody>
+          <a:bodyPr rtlCol="0" anchor="ctr"/>
+          <a:lstStyle/>
+          <a:p>
+            <a:pPr algn="ctr"/>
+            <a:endParaRPr lang="en-US"/>
+          </a:p>
+        </p:txBody>
+      </p:sp>
+      <p:sp>
+        <p:nvSpPr>
+          <p:cNvPr id="14" name="Rectangle 13">
+            <a:extLst>
+              <a:ext uri="{FF2B5EF4-FFF2-40B4-BE49-F238E27FC236}">
+                <a16:creationId xmlns:a16="http://schemas.microsoft.com/office/drawing/2014/main" id="{375E0459-6403-40CD-989D-56A4407CA12E}"/>
+              </a:ext>
+              <a:ext uri="{C183D7F6-B498-43B3-948B-1728B52AA6E4}">
+                <adec:decorative xmlns:adec="http://schemas.microsoft.com/office/drawing/2017/decorative" val="1"/>
+              </a:ext>
+            </a:extLst>
+          </p:cNvPr>
+          <p:cNvSpPr>
+            <a:spLocks noGrp="1" noRot="1" noChangeAspect="1" noMove="1" noResize="1" noEditPoints="1" noAdjustHandles="1" noChangeArrowheads="1" noChangeShapeType="1" noTextEdit="1"/>
+          </p:cNvSpPr>
+          <p:nvPr>
+            <p:extLst>
+              <p:ext uri="{386F3935-93C4-4BCD-93E2-E3B085C9AB24}">
+                <p16:designElem xmlns:p16="http://schemas.microsoft.com/office/powerpoint/2015/main" val="1"/>
+              </p:ext>
+            </p:extLst>
+          </p:nvPr>
+        </p:nvSpPr>
+        <p:spPr>
+          <a:xfrm flipH="1">
+            <a:off x="8115299" y="-1"/>
+            <a:ext cx="4076698" cy="1590742"/>
+          </a:xfrm>
+          <a:prstGeom prst="rect">
+            <a:avLst/>
+          </a:prstGeom>
+          <a:gradFill>
+            <a:gsLst>
+              <a:gs pos="0">
+                <a:schemeClr val="accent1">
+                  <a:alpha val="66000"/>
+                </a:schemeClr>
+              </a:gs>
+              <a:gs pos="100000">
+                <a:srgbClr val="000000">
+                  <a:alpha val="30000"/>
+                </a:srgbClr>
+              </a:gs>
+            </a:gsLst>
+            <a:lin ang="13200000" scaled="0"/>
+          </a:gradFill>
+          <a:ln>
+            <a:noFill/>
+          </a:ln>
+        </p:spPr>
+        <p:style>
+          <a:lnRef idx="2">
+            <a:schemeClr val="accent1">
+              <a:shade val="50000"/>
+            </a:schemeClr>
+          </a:lnRef>
+          <a:fillRef idx="1">
+            <a:schemeClr val="accent1"/>
+          </a:fillRef>
+          <a:effectRef idx="0">
+            <a:schemeClr val="accent1"/>
+          </a:effectRef>
+          <a:fontRef idx="minor">
+            <a:schemeClr val="lt1"/>
+          </a:fontRef>
+        </p:style>
+        <p:txBody>
+          <a:bodyPr rtlCol="0" anchor="ctr"/>
+          <a:lstStyle/>
+          <a:p>
+            <a:pPr algn="ctr"/>
+            <a:endParaRPr lang="en-US"/>
+          </a:p>
+        </p:txBody>
+      </p:sp>
+      <p:sp>
+        <p:nvSpPr>
+          <p:cNvPr id="16" name="Rectangle 15">
+            <a:extLst>
+              <a:ext uri="{FF2B5EF4-FFF2-40B4-BE49-F238E27FC236}">
+                <a16:creationId xmlns:a16="http://schemas.microsoft.com/office/drawing/2014/main" id="{53E5B1A8-3AC9-4BD1-9BBC-78CA94F2D1BA}"/>
+              </a:ext>
+              <a:ext uri="{C183D7F6-B498-43B3-948B-1728B52AA6E4}">
+                <adec:decorative xmlns:adec="http://schemas.microsoft.com/office/drawing/2017/decorative" val="1"/>
+              </a:ext>
+            </a:extLst>
+          </p:cNvPr>
+          <p:cNvSpPr>
+            <a:spLocks noGrp="1" noRot="1" noChangeAspect="1" noMove="1" noResize="1" noEditPoints="1" noAdjustHandles="1" noChangeArrowheads="1" noChangeShapeType="1" noTextEdit="1"/>
+          </p:cNvSpPr>
+          <p:nvPr>
+            <p:extLst>
+              <p:ext uri="{386F3935-93C4-4BCD-93E2-E3B085C9AB24}">
+                <p16:designElem xmlns:p16="http://schemas.microsoft.com/office/powerpoint/2015/main" val="1"/>
+              </p:ext>
+            </p:extLst>
+          </p:nvPr>
+        </p:nvSpPr>
+        <p:spPr>
+          <a:xfrm>
+            <a:off x="459350" y="-1"/>
+            <a:ext cx="11732646" cy="1597433"/>
+          </a:xfrm>
+          <a:prstGeom prst="rect">
+            <a:avLst/>
+          </a:prstGeom>
+          <a:gradFill>
+            <a:gsLst>
+              <a:gs pos="50000">
+                <a:srgbClr val="000000">
+                  <a:alpha val="0"/>
+                </a:srgbClr>
+              </a:gs>
+              <a:gs pos="99000">
+                <a:schemeClr val="accent1">
+                  <a:lumMod val="50000"/>
+                  <a:alpha val="52000"/>
+                </a:schemeClr>
+              </a:gs>
+            </a:gsLst>
+            <a:lin ang="16800000" scaled="0"/>
+          </a:gradFill>
+          <a:ln>
+            <a:noFill/>
+          </a:ln>
+        </p:spPr>
+        <p:style>
+          <a:lnRef idx="2">
+            <a:schemeClr val="accent1">
+              <a:shade val="50000"/>
+            </a:schemeClr>
+          </a:lnRef>
+          <a:fillRef idx="1">
+            <a:schemeClr val="accent1"/>
+          </a:fillRef>
+          <a:effectRef idx="0">
+            <a:schemeClr val="accent1"/>
+          </a:effectRef>
+          <a:fontRef idx="minor">
+            <a:schemeClr val="lt1"/>
+          </a:fontRef>
+        </p:style>
+        <p:txBody>
+          <a:bodyPr rtlCol="0" anchor="ctr"/>
+          <a:lstStyle/>
+          <a:p>
+            <a:pPr algn="ctr"/>
+            <a:endParaRPr lang="en-US"/>
+          </a:p>
+        </p:txBody>
+      </p:sp>
+      <p:sp>
+        <p:nvSpPr>
+          <p:cNvPr id="2" name="Заголовок 1">
+            <a:extLst>
+              <a:ext uri="{FF2B5EF4-FFF2-40B4-BE49-F238E27FC236}">
+                <a16:creationId xmlns:a16="http://schemas.microsoft.com/office/drawing/2014/main" id="{E5653CC1-5421-A6E9-037D-817B00DF9347}"/>
               </a:ext>
             </a:extLst>
           </p:cNvPr>
@@ -5941,7 +6528,7 @@
           <p:cNvPr id="3" name="Объект 2">
             <a:extLst>
               <a:ext uri="{FF2B5EF4-FFF2-40B4-BE49-F238E27FC236}">
-                <a16:creationId xmlns:a16="http://schemas.microsoft.com/office/drawing/2014/main" id="{B2871B7E-F841-3706-7D36-B6EE29233409}"/>
+                <a16:creationId xmlns:a16="http://schemas.microsoft.com/office/drawing/2014/main" id="{D47F1694-7F27-A3DA-2D8F-C7BED13AF1A4}"/>
               </a:ext>
             </a:extLst>
           </p:cNvPr>
@@ -5954,13 +6541,13 @@
         </p:nvSpPr>
         <p:spPr>
           <a:xfrm>
-            <a:off x="3845650" y="1891970"/>
-            <a:ext cx="4500695" cy="1761688"/>
+            <a:off x="4274757" y="1736519"/>
+            <a:ext cx="4089634" cy="1115738"/>
           </a:xfrm>
         </p:spPr>
         <p:txBody>
           <a:bodyPr anchor="ctr">
-            <a:noAutofit/>
+            <a:normAutofit/>
           </a:bodyPr>
           <a:lstStyle/>
           <a:p>
@@ -5976,11 +6563,537 @@
             </a:pPr>
             <a:r>
               <a:rPr lang="ru-RU" sz="1800" dirty="0"/>
-              <a:t>Изучена структура </a:t>
+              <a:t>Изучена основная структура </a:t>
             </a:r>
             <a:r>
               <a:rPr lang="en-US" sz="1800" dirty="0"/>
-              <a:t>Windows API.</a:t>
+              <a:t>Windows API</a:t>
+            </a:r>
+            <a:endParaRPr lang="ru-RU" sz="1800" dirty="0"/>
+          </a:p>
+        </p:txBody>
+      </p:sp>
+      <p:pic>
+        <p:nvPicPr>
+          <p:cNvPr id="5" name="Рисунок 4" descr="Изображение выглядит как текст&#10;&#10;Автоматически созданное описание">
+            <a:extLst>
+              <a:ext uri="{FF2B5EF4-FFF2-40B4-BE49-F238E27FC236}">
+                <a16:creationId xmlns:a16="http://schemas.microsoft.com/office/drawing/2014/main" id="{CA691ECD-EFD5-1E60-ADAF-763F272F3DD5}"/>
+              </a:ext>
+            </a:extLst>
+          </p:cNvPr>
+          <p:cNvPicPr>
+            <a:picLocks noChangeAspect="1"/>
+          </p:cNvPicPr>
+          <p:nvPr/>
+        </p:nvPicPr>
+        <p:blipFill>
+          <a:blip r:embed="rId2">
+            <a:extLst>
+              <a:ext uri="{28A0092B-C50C-407E-A947-70E740481C1C}">
+                <a14:useLocalDpi xmlns:a14="http://schemas.microsoft.com/office/drawing/2010/main" val="0"/>
+              </a:ext>
+            </a:extLst>
+          </a:blip>
+          <a:stretch>
+            <a:fillRect/>
+          </a:stretch>
+        </p:blipFill>
+        <p:spPr>
+          <a:xfrm>
+            <a:off x="1794585" y="3313291"/>
+            <a:ext cx="8602825" cy="2933854"/>
+          </a:xfrm>
+          <a:prstGeom prst="rect">
+            <a:avLst/>
+          </a:prstGeom>
+        </p:spPr>
+      </p:pic>
+    </p:spTree>
+    <p:extLst>
+      <p:ext uri="{BB962C8B-B14F-4D97-AF65-F5344CB8AC3E}">
+        <p14:creationId xmlns:p14="http://schemas.microsoft.com/office/powerpoint/2010/main" val="866594497"/>
+      </p:ext>
+    </p:extLst>
+  </p:cSld>
+  <p:clrMapOvr>
+    <a:masterClrMapping/>
+  </p:clrMapOvr>
+</p:sld>
+</file>
+
+<file path=ppt/slides/slide7.xml><?xml version="1.0" encoding="utf-8"?>
+<p:sld xmlns:a="http://schemas.openxmlformats.org/drawingml/2006/main" xmlns:r="http://schemas.openxmlformats.org/officeDocument/2006/relationships" xmlns:p="http://schemas.openxmlformats.org/presentationml/2006/main">
+  <p:cSld>
+    <p:bg>
+      <p:bgPr>
+        <a:solidFill>
+          <a:schemeClr val="bg1"/>
+        </a:solidFill>
+        <a:effectLst/>
+      </p:bgPr>
+    </p:bg>
+    <p:spTree>
+      <p:nvGrpSpPr>
+        <p:cNvPr id="1" name=""/>
+        <p:cNvGrpSpPr/>
+        <p:nvPr/>
+      </p:nvGrpSpPr>
+      <p:grpSpPr>
+        <a:xfrm>
+          <a:off x="0" y="0"/>
+          <a:ext cx="0" cy="0"/>
+          <a:chOff x="0" y="0"/>
+          <a:chExt cx="0" cy="0"/>
+        </a:xfrm>
+      </p:grpSpPr>
+      <p:sp useBgFill="1">
+        <p:nvSpPr>
+          <p:cNvPr id="8" name="Rectangle 7">
+            <a:extLst>
+              <a:ext uri="{FF2B5EF4-FFF2-40B4-BE49-F238E27FC236}">
+                <a16:creationId xmlns:a16="http://schemas.microsoft.com/office/drawing/2014/main" id="{1B15ED52-F352-441B-82BF-E0EA34836D08}"/>
+              </a:ext>
+              <a:ext uri="{C183D7F6-B498-43B3-948B-1728B52AA6E4}">
+                <adec:decorative xmlns:adec="http://schemas.microsoft.com/office/drawing/2017/decorative" val="1"/>
+              </a:ext>
+            </a:extLst>
+          </p:cNvPr>
+          <p:cNvSpPr>
+            <a:spLocks noGrp="1" noRot="1" noChangeAspect="1" noMove="1" noResize="1" noEditPoints="1" noAdjustHandles="1" noChangeArrowheads="1" noChangeShapeType="1" noTextEdit="1"/>
+          </p:cNvSpPr>
+          <p:nvPr>
+            <p:extLst>
+              <p:ext uri="{386F3935-93C4-4BCD-93E2-E3B085C9AB24}">
+                <p16:designElem xmlns:p16="http://schemas.microsoft.com/office/powerpoint/2015/main" val="1"/>
+              </p:ext>
+            </p:extLst>
+          </p:nvPr>
+        </p:nvSpPr>
+        <p:spPr>
+          <a:xfrm>
+            <a:off x="0" y="0"/>
+            <a:ext cx="12192000" cy="6858000"/>
+          </a:xfrm>
+          <a:prstGeom prst="rect">
+            <a:avLst/>
+          </a:prstGeom>
+          <a:ln w="12700" cap="flat" cmpd="sng" algn="ctr">
+            <a:noFill/>
+            <a:prstDash val="solid"/>
+            <a:miter lim="800000"/>
+          </a:ln>
+          <a:effectLst/>
+          <a:extLst>
+            <a:ext uri="{91240B29-F687-4F45-9708-019B960494DF}">
+              <a14:hiddenLine xmlns:a14="http://schemas.microsoft.com/office/drawing/2010/main" w="12700" cap="flat" cmpd="sng" algn="ctr">
+                <a:solidFill>
+                  <a:schemeClr val="accent1">
+                    <a:shade val="50000"/>
+                  </a:schemeClr>
+                </a:solidFill>
+                <a:prstDash val="solid"/>
+                <a:miter lim="800000"/>
+              </a14:hiddenLine>
+            </a:ext>
+          </a:extLst>
+        </p:spPr>
+        <p:style>
+          <a:lnRef idx="2">
+            <a:schemeClr val="accent1">
+              <a:shade val="50000"/>
+            </a:schemeClr>
+          </a:lnRef>
+          <a:fillRef idx="1">
+            <a:schemeClr val="accent1"/>
+          </a:fillRef>
+          <a:effectRef idx="0">
+            <a:schemeClr val="accent1"/>
+          </a:effectRef>
+          <a:fontRef idx="minor">
+            <a:schemeClr val="lt1"/>
+          </a:fontRef>
+        </p:style>
+        <p:txBody>
+          <a:bodyPr rtlCol="0" anchor="ctr"/>
+          <a:lstStyle/>
+          <a:p>
+            <a:pPr algn="ctr"/>
+            <a:endParaRPr lang="en-US"/>
+          </a:p>
+        </p:txBody>
+      </p:sp>
+      <p:sp>
+        <p:nvSpPr>
+          <p:cNvPr id="10" name="Rectangle 9">
+            <a:extLst>
+              <a:ext uri="{FF2B5EF4-FFF2-40B4-BE49-F238E27FC236}">
+                <a16:creationId xmlns:a16="http://schemas.microsoft.com/office/drawing/2014/main" id="{3B2E3793-BFE6-45A2-9B7B-E18844431C99}"/>
+              </a:ext>
+              <a:ext uri="{C183D7F6-B498-43B3-948B-1728B52AA6E4}">
+                <adec:decorative xmlns:adec="http://schemas.microsoft.com/office/drawing/2017/decorative" val="1"/>
+              </a:ext>
+            </a:extLst>
+          </p:cNvPr>
+          <p:cNvSpPr>
+            <a:spLocks noGrp="1" noRot="1" noChangeAspect="1" noMove="1" noResize="1" noEditPoints="1" noAdjustHandles="1" noChangeArrowheads="1" noChangeShapeType="1" noTextEdit="1"/>
+          </p:cNvSpPr>
+          <p:nvPr>
+            <p:extLst>
+              <p:ext uri="{386F3935-93C4-4BCD-93E2-E3B085C9AB24}">
+                <p16:designElem xmlns:p16="http://schemas.microsoft.com/office/powerpoint/2015/main" val="1"/>
+              </p:ext>
+            </p:extLst>
+          </p:nvPr>
+        </p:nvSpPr>
+        <p:spPr>
+          <a:xfrm flipH="1">
+            <a:off x="-1" y="-1"/>
+            <a:ext cx="12191998" cy="1590742"/>
+          </a:xfrm>
+          <a:prstGeom prst="rect">
+            <a:avLst/>
+          </a:prstGeom>
+          <a:gradFill>
+            <a:gsLst>
+              <a:gs pos="0">
+                <a:srgbClr val="000000"/>
+              </a:gs>
+              <a:gs pos="100000">
+                <a:schemeClr val="accent1">
+                  <a:lumMod val="75000"/>
+                </a:schemeClr>
+              </a:gs>
+            </a:gsLst>
+            <a:lin ang="8400000" scaled="0"/>
+          </a:gradFill>
+          <a:ln>
+            <a:noFill/>
+          </a:ln>
+        </p:spPr>
+        <p:style>
+          <a:lnRef idx="2">
+            <a:schemeClr val="accent1">
+              <a:shade val="50000"/>
+            </a:schemeClr>
+          </a:lnRef>
+          <a:fillRef idx="1">
+            <a:schemeClr val="accent1"/>
+          </a:fillRef>
+          <a:effectRef idx="0">
+            <a:schemeClr val="accent1"/>
+          </a:effectRef>
+          <a:fontRef idx="minor">
+            <a:schemeClr val="lt1"/>
+          </a:fontRef>
+        </p:style>
+        <p:txBody>
+          <a:bodyPr rtlCol="0" anchor="ctr"/>
+          <a:lstStyle/>
+          <a:p>
+            <a:pPr algn="ctr"/>
+            <a:endParaRPr lang="en-US"/>
+          </a:p>
+        </p:txBody>
+      </p:sp>
+      <p:sp>
+        <p:nvSpPr>
+          <p:cNvPr id="12" name="Rectangle 11">
+            <a:extLst>
+              <a:ext uri="{FF2B5EF4-FFF2-40B4-BE49-F238E27FC236}">
+                <a16:creationId xmlns:a16="http://schemas.microsoft.com/office/drawing/2014/main" id="{BC4C4868-CB8F-4AF9-9CDB-8108F2C19B67}"/>
+              </a:ext>
+              <a:ext uri="{C183D7F6-B498-43B3-948B-1728B52AA6E4}">
+                <adec:decorative xmlns:adec="http://schemas.microsoft.com/office/drawing/2017/decorative" val="1"/>
+              </a:ext>
+            </a:extLst>
+          </p:cNvPr>
+          <p:cNvSpPr>
+            <a:spLocks noGrp="1" noRot="1" noChangeAspect="1" noMove="1" noResize="1" noEditPoints="1" noAdjustHandles="1" noChangeArrowheads="1" noChangeShapeType="1" noTextEdit="1"/>
+          </p:cNvSpPr>
+          <p:nvPr>
+            <p:extLst>
+              <p:ext uri="{386F3935-93C4-4BCD-93E2-E3B085C9AB24}">
+                <p16:designElem xmlns:p16="http://schemas.microsoft.com/office/powerpoint/2015/main" val="1"/>
+              </p:ext>
+            </p:extLst>
+          </p:nvPr>
+        </p:nvSpPr>
+        <p:spPr>
+          <a:xfrm rot="10800000" flipH="1">
+            <a:off x="-3" y="0"/>
+            <a:ext cx="8115306" cy="1590742"/>
+          </a:xfrm>
+          <a:prstGeom prst="rect">
+            <a:avLst/>
+          </a:prstGeom>
+          <a:gradFill>
+            <a:gsLst>
+              <a:gs pos="20000">
+                <a:schemeClr val="accent1">
+                  <a:alpha val="0"/>
+                </a:schemeClr>
+              </a:gs>
+              <a:gs pos="100000">
+                <a:schemeClr val="accent1">
+                  <a:lumMod val="50000"/>
+                  <a:alpha val="55000"/>
+                </a:schemeClr>
+              </a:gs>
+            </a:gsLst>
+            <a:lin ang="13800000" scaled="0"/>
+          </a:gradFill>
+          <a:ln>
+            <a:noFill/>
+          </a:ln>
+        </p:spPr>
+        <p:style>
+          <a:lnRef idx="2">
+            <a:schemeClr val="accent1">
+              <a:shade val="50000"/>
+            </a:schemeClr>
+          </a:lnRef>
+          <a:fillRef idx="1">
+            <a:schemeClr val="accent1"/>
+          </a:fillRef>
+          <a:effectRef idx="0">
+            <a:schemeClr val="accent1"/>
+          </a:effectRef>
+          <a:fontRef idx="minor">
+            <a:schemeClr val="lt1"/>
+          </a:fontRef>
+        </p:style>
+        <p:txBody>
+          <a:bodyPr rtlCol="0" anchor="ctr"/>
+          <a:lstStyle/>
+          <a:p>
+            <a:pPr algn="ctr"/>
+            <a:endParaRPr lang="en-US"/>
+          </a:p>
+        </p:txBody>
+      </p:sp>
+      <p:sp>
+        <p:nvSpPr>
+          <p:cNvPr id="14" name="Rectangle 13">
+            <a:extLst>
+              <a:ext uri="{FF2B5EF4-FFF2-40B4-BE49-F238E27FC236}">
+                <a16:creationId xmlns:a16="http://schemas.microsoft.com/office/drawing/2014/main" id="{375E0459-6403-40CD-989D-56A4407CA12E}"/>
+              </a:ext>
+              <a:ext uri="{C183D7F6-B498-43B3-948B-1728B52AA6E4}">
+                <adec:decorative xmlns:adec="http://schemas.microsoft.com/office/drawing/2017/decorative" val="1"/>
+              </a:ext>
+            </a:extLst>
+          </p:cNvPr>
+          <p:cNvSpPr>
+            <a:spLocks noGrp="1" noRot="1" noChangeAspect="1" noMove="1" noResize="1" noEditPoints="1" noAdjustHandles="1" noChangeArrowheads="1" noChangeShapeType="1" noTextEdit="1"/>
+          </p:cNvSpPr>
+          <p:nvPr>
+            <p:extLst>
+              <p:ext uri="{386F3935-93C4-4BCD-93E2-E3B085C9AB24}">
+                <p16:designElem xmlns:p16="http://schemas.microsoft.com/office/powerpoint/2015/main" val="1"/>
+              </p:ext>
+            </p:extLst>
+          </p:nvPr>
+        </p:nvSpPr>
+        <p:spPr>
+          <a:xfrm flipH="1">
+            <a:off x="8115299" y="-1"/>
+            <a:ext cx="4076698" cy="1590742"/>
+          </a:xfrm>
+          <a:prstGeom prst="rect">
+            <a:avLst/>
+          </a:prstGeom>
+          <a:gradFill>
+            <a:gsLst>
+              <a:gs pos="0">
+                <a:schemeClr val="accent1">
+                  <a:alpha val="66000"/>
+                </a:schemeClr>
+              </a:gs>
+              <a:gs pos="100000">
+                <a:srgbClr val="000000">
+                  <a:alpha val="30000"/>
+                </a:srgbClr>
+              </a:gs>
+            </a:gsLst>
+            <a:lin ang="13200000" scaled="0"/>
+          </a:gradFill>
+          <a:ln>
+            <a:noFill/>
+          </a:ln>
+        </p:spPr>
+        <p:style>
+          <a:lnRef idx="2">
+            <a:schemeClr val="accent1">
+              <a:shade val="50000"/>
+            </a:schemeClr>
+          </a:lnRef>
+          <a:fillRef idx="1">
+            <a:schemeClr val="accent1"/>
+          </a:fillRef>
+          <a:effectRef idx="0">
+            <a:schemeClr val="accent1"/>
+          </a:effectRef>
+          <a:fontRef idx="minor">
+            <a:schemeClr val="lt1"/>
+          </a:fontRef>
+        </p:style>
+        <p:txBody>
+          <a:bodyPr rtlCol="0" anchor="ctr"/>
+          <a:lstStyle/>
+          <a:p>
+            <a:pPr algn="ctr"/>
+            <a:endParaRPr lang="en-US"/>
+          </a:p>
+        </p:txBody>
+      </p:sp>
+      <p:sp>
+        <p:nvSpPr>
+          <p:cNvPr id="16" name="Rectangle 15">
+            <a:extLst>
+              <a:ext uri="{FF2B5EF4-FFF2-40B4-BE49-F238E27FC236}">
+                <a16:creationId xmlns:a16="http://schemas.microsoft.com/office/drawing/2014/main" id="{53E5B1A8-3AC9-4BD1-9BBC-78CA94F2D1BA}"/>
+              </a:ext>
+              <a:ext uri="{C183D7F6-B498-43B3-948B-1728B52AA6E4}">
+                <adec:decorative xmlns:adec="http://schemas.microsoft.com/office/drawing/2017/decorative" val="1"/>
+              </a:ext>
+            </a:extLst>
+          </p:cNvPr>
+          <p:cNvSpPr>
+            <a:spLocks noGrp="1" noRot="1" noChangeAspect="1" noMove="1" noResize="1" noEditPoints="1" noAdjustHandles="1" noChangeArrowheads="1" noChangeShapeType="1" noTextEdit="1"/>
+          </p:cNvSpPr>
+          <p:nvPr>
+            <p:extLst>
+              <p:ext uri="{386F3935-93C4-4BCD-93E2-E3B085C9AB24}">
+                <p16:designElem xmlns:p16="http://schemas.microsoft.com/office/powerpoint/2015/main" val="1"/>
+              </p:ext>
+            </p:extLst>
+          </p:nvPr>
+        </p:nvSpPr>
+        <p:spPr>
+          <a:xfrm>
+            <a:off x="459350" y="-1"/>
+            <a:ext cx="11732646" cy="1597433"/>
+          </a:xfrm>
+          <a:prstGeom prst="rect">
+            <a:avLst/>
+          </a:prstGeom>
+          <a:gradFill>
+            <a:gsLst>
+              <a:gs pos="50000">
+                <a:srgbClr val="000000">
+                  <a:alpha val="0"/>
+                </a:srgbClr>
+              </a:gs>
+              <a:gs pos="99000">
+                <a:schemeClr val="accent1">
+                  <a:lumMod val="50000"/>
+                  <a:alpha val="52000"/>
+                </a:schemeClr>
+              </a:gs>
+            </a:gsLst>
+            <a:lin ang="16800000" scaled="0"/>
+          </a:gradFill>
+          <a:ln>
+            <a:noFill/>
+          </a:ln>
+        </p:spPr>
+        <p:style>
+          <a:lnRef idx="2">
+            <a:schemeClr val="accent1">
+              <a:shade val="50000"/>
+            </a:schemeClr>
+          </a:lnRef>
+          <a:fillRef idx="1">
+            <a:schemeClr val="accent1"/>
+          </a:fillRef>
+          <a:effectRef idx="0">
+            <a:schemeClr val="accent1"/>
+          </a:effectRef>
+          <a:fontRef idx="minor">
+            <a:schemeClr val="lt1"/>
+          </a:fontRef>
+        </p:style>
+        <p:txBody>
+          <a:bodyPr rtlCol="0" anchor="ctr"/>
+          <a:lstStyle/>
+          <a:p>
+            <a:pPr algn="ctr"/>
+            <a:endParaRPr lang="en-US"/>
+          </a:p>
+        </p:txBody>
+      </p:sp>
+      <p:sp>
+        <p:nvSpPr>
+          <p:cNvPr id="2" name="Заголовок 1">
+            <a:extLst>
+              <a:ext uri="{FF2B5EF4-FFF2-40B4-BE49-F238E27FC236}">
+                <a16:creationId xmlns:a16="http://schemas.microsoft.com/office/drawing/2014/main" id="{07FE8C6D-EEB4-CF48-FF18-C2AD1E67CB2B}"/>
+              </a:ext>
+            </a:extLst>
+          </p:cNvPr>
+          <p:cNvSpPr>
+            <a:spLocks noGrp="1"/>
+          </p:cNvSpPr>
+          <p:nvPr>
+            <p:ph type="title"/>
+          </p:nvPr>
+        </p:nvSpPr>
+        <p:spPr>
+          <a:xfrm>
+            <a:off x="1371599" y="294538"/>
+            <a:ext cx="9895951" cy="1033669"/>
+          </a:xfrm>
+        </p:spPr>
+        <p:txBody>
+          <a:bodyPr>
+            <a:normAutofit/>
+          </a:bodyPr>
+          <a:lstStyle/>
+          <a:p>
+            <a:pPr algn="ctr"/>
+            <a:r>
+              <a:rPr lang="ru-RU" sz="2400" dirty="0">
+                <a:solidFill>
+                  <a:srgbClr val="FFFFFF"/>
+                </a:solidFill>
+              </a:rPr>
+              <a:t>Ход работы.</a:t>
+            </a:r>
+          </a:p>
+        </p:txBody>
+      </p:sp>
+      <p:sp>
+        <p:nvSpPr>
+          <p:cNvPr id="3" name="Объект 2">
+            <a:extLst>
+              <a:ext uri="{FF2B5EF4-FFF2-40B4-BE49-F238E27FC236}">
+                <a16:creationId xmlns:a16="http://schemas.microsoft.com/office/drawing/2014/main" id="{F213C164-2F3E-E7CD-AA8C-A89EC9DFE232}"/>
+              </a:ext>
+            </a:extLst>
+          </p:cNvPr>
+          <p:cNvSpPr>
+            <a:spLocks noGrp="1"/>
+          </p:cNvSpPr>
+          <p:nvPr>
+            <p:ph idx="1"/>
+          </p:nvPr>
+        </p:nvSpPr>
+        <p:spPr>
+          <a:xfrm>
+            <a:off x="4304399" y="1683944"/>
+            <a:ext cx="4030345" cy="1369648"/>
+          </a:xfrm>
+        </p:spPr>
+        <p:txBody>
+          <a:bodyPr anchor="ctr">
+            <a:normAutofit/>
+          </a:bodyPr>
+          <a:lstStyle/>
+          <a:p>
+            <a:r>
+              <a:rPr lang="ru-RU" sz="1800" dirty="0"/>
+              <a:t>Из поставленных задач выполнено:</a:t>
             </a:r>
           </a:p>
           <a:p>
@@ -5990,7 +7103,11 @@
             </a:pPr>
             <a:r>
               <a:rPr lang="ru-RU" sz="1800" dirty="0"/>
-              <a:t>Изучен принцип работы с ОС через ЯП.</a:t>
+              <a:t>Изучена структура </a:t>
+            </a:r>
+            <a:r>
+              <a:rPr lang="en-US" sz="1800" dirty="0"/>
+              <a:t>Windows API.</a:t>
             </a:r>
           </a:p>
           <a:p>
@@ -6008,43 +7125,523 @@
           </a:p>
         </p:txBody>
       </p:sp>
-      <p:sp>
-        <p:nvSpPr>
-          <p:cNvPr id="6" name="TextBox 5">
-            <a:extLst>
-              <a:ext uri="{FF2B5EF4-FFF2-40B4-BE49-F238E27FC236}">
-                <a16:creationId xmlns:a16="http://schemas.microsoft.com/office/drawing/2014/main" id="{B9C5AF6E-96A1-4C68-A36C-138F295F5FEF}"/>
-              </a:ext>
-            </a:extLst>
-          </p:cNvPr>
-          <p:cNvSpPr txBox="1"/>
+      <p:pic>
+        <p:nvPicPr>
+          <p:cNvPr id="4" name="Рисунок 3" descr="Изображение выглядит как текст&#10;&#10;Автоматически созданное описание">
+            <a:extLst>
+              <a:ext uri="{FF2B5EF4-FFF2-40B4-BE49-F238E27FC236}">
+                <a16:creationId xmlns:a16="http://schemas.microsoft.com/office/drawing/2014/main" id="{EC44627F-164B-76A9-2657-A61E660E6212}"/>
+              </a:ext>
+            </a:extLst>
+          </p:cNvPr>
+          <p:cNvPicPr>
+            <a:picLocks noChangeAspect="1"/>
+          </p:cNvPicPr>
           <p:nvPr/>
-        </p:nvSpPr>
+        </p:nvPicPr>
+        <p:blipFill>
+          <a:blip r:embed="rId2">
+            <a:extLst>
+              <a:ext uri="{28A0092B-C50C-407E-A947-70E740481C1C}">
+                <a14:useLocalDpi xmlns:a14="http://schemas.microsoft.com/office/drawing/2010/main" val="0"/>
+              </a:ext>
+            </a:extLst>
+          </a:blip>
+          <a:stretch>
+            <a:fillRect/>
+          </a:stretch>
+        </p:blipFill>
         <p:spPr>
           <a:xfrm>
-            <a:off x="4035105" y="4228051"/>
-            <a:ext cx="4423662" cy="1157368"/>
+            <a:off x="2833947" y="3393493"/>
+            <a:ext cx="6971251" cy="2569128"/>
           </a:xfrm>
           <a:prstGeom prst="rect">
             <a:avLst/>
           </a:prstGeom>
-          <a:noFill/>
-        </p:spPr>
-        <p:txBody>
-          <a:bodyPr wrap="square" rtlCol="0">
-            <a:spAutoFit/>
+        </p:spPr>
+      </p:pic>
+    </p:spTree>
+    <p:extLst>
+      <p:ext uri="{BB962C8B-B14F-4D97-AF65-F5344CB8AC3E}">
+        <p14:creationId xmlns:p14="http://schemas.microsoft.com/office/powerpoint/2010/main" val="2140987790"/>
+      </p:ext>
+    </p:extLst>
+  </p:cSld>
+  <p:clrMapOvr>
+    <a:masterClrMapping/>
+  </p:clrMapOvr>
+</p:sld>
+</file>
+
+<file path=ppt/slides/slide8.xml><?xml version="1.0" encoding="utf-8"?>
+<p:sld xmlns:a="http://schemas.openxmlformats.org/drawingml/2006/main" xmlns:r="http://schemas.openxmlformats.org/officeDocument/2006/relationships" xmlns:p="http://schemas.openxmlformats.org/presentationml/2006/main">
+  <p:cSld>
+    <p:bg>
+      <p:bgPr>
+        <a:solidFill>
+          <a:schemeClr val="bg1"/>
+        </a:solidFill>
+        <a:effectLst/>
+      </p:bgPr>
+    </p:bg>
+    <p:spTree>
+      <p:nvGrpSpPr>
+        <p:cNvPr id="1" name=""/>
+        <p:cNvGrpSpPr/>
+        <p:nvPr/>
+      </p:nvGrpSpPr>
+      <p:grpSpPr>
+        <a:xfrm>
+          <a:off x="0" y="0"/>
+          <a:ext cx="0" cy="0"/>
+          <a:chOff x="0" y="0"/>
+          <a:chExt cx="0" cy="0"/>
+        </a:xfrm>
+      </p:grpSpPr>
+      <p:sp useBgFill="1">
+        <p:nvSpPr>
+          <p:cNvPr id="8" name="Rectangle 7">
+            <a:extLst>
+              <a:ext uri="{FF2B5EF4-FFF2-40B4-BE49-F238E27FC236}">
+                <a16:creationId xmlns:a16="http://schemas.microsoft.com/office/drawing/2014/main" id="{1B15ED52-F352-441B-82BF-E0EA34836D08}"/>
+              </a:ext>
+              <a:ext uri="{C183D7F6-B498-43B3-948B-1728B52AA6E4}">
+                <adec:decorative xmlns:adec="http://schemas.microsoft.com/office/drawing/2017/decorative" val="1"/>
+              </a:ext>
+            </a:extLst>
+          </p:cNvPr>
+          <p:cNvSpPr>
+            <a:spLocks noGrp="1" noRot="1" noChangeAspect="1" noMove="1" noResize="1" noEditPoints="1" noAdjustHandles="1" noChangeArrowheads="1" noChangeShapeType="1" noTextEdit="1"/>
+          </p:cNvSpPr>
+          <p:nvPr>
+            <p:extLst>
+              <p:ext uri="{386F3935-93C4-4BCD-93E2-E3B085C9AB24}">
+                <p16:designElem xmlns:p16="http://schemas.microsoft.com/office/powerpoint/2015/main" val="1"/>
+              </p:ext>
+            </p:extLst>
+          </p:nvPr>
+        </p:nvSpPr>
+        <p:spPr>
+          <a:xfrm>
+            <a:off x="0" y="0"/>
+            <a:ext cx="12192000" cy="6858000"/>
+          </a:xfrm>
+          <a:prstGeom prst="rect">
+            <a:avLst/>
+          </a:prstGeom>
+          <a:ln w="12700" cap="flat" cmpd="sng" algn="ctr">
+            <a:noFill/>
+            <a:prstDash val="solid"/>
+            <a:miter lim="800000"/>
+          </a:ln>
+          <a:effectLst/>
+          <a:extLst>
+            <a:ext uri="{91240B29-F687-4F45-9708-019B960494DF}">
+              <a14:hiddenLine xmlns:a14="http://schemas.microsoft.com/office/drawing/2010/main" w="12700" cap="flat" cmpd="sng" algn="ctr">
+                <a:solidFill>
+                  <a:schemeClr val="accent1">
+                    <a:shade val="50000"/>
+                  </a:schemeClr>
+                </a:solidFill>
+                <a:prstDash val="solid"/>
+                <a:miter lim="800000"/>
+              </a14:hiddenLine>
+            </a:ext>
+          </a:extLst>
+        </p:spPr>
+        <p:style>
+          <a:lnRef idx="2">
+            <a:schemeClr val="accent1">
+              <a:shade val="50000"/>
+            </a:schemeClr>
+          </a:lnRef>
+          <a:fillRef idx="1">
+            <a:schemeClr val="accent1"/>
+          </a:fillRef>
+          <a:effectRef idx="0">
+            <a:schemeClr val="accent1"/>
+          </a:effectRef>
+          <a:fontRef idx="minor">
+            <a:schemeClr val="lt1"/>
+          </a:fontRef>
+        </p:style>
+        <p:txBody>
+          <a:bodyPr rtlCol="0" anchor="ctr"/>
+          <a:lstStyle/>
+          <a:p>
+            <a:pPr algn="ctr"/>
+            <a:endParaRPr lang="en-US"/>
+          </a:p>
+        </p:txBody>
+      </p:sp>
+      <p:sp>
+        <p:nvSpPr>
+          <p:cNvPr id="10" name="Rectangle 9">
+            <a:extLst>
+              <a:ext uri="{FF2B5EF4-FFF2-40B4-BE49-F238E27FC236}">
+                <a16:creationId xmlns:a16="http://schemas.microsoft.com/office/drawing/2014/main" id="{3B2E3793-BFE6-45A2-9B7B-E18844431C99}"/>
+              </a:ext>
+              <a:ext uri="{C183D7F6-B498-43B3-948B-1728B52AA6E4}">
+                <adec:decorative xmlns:adec="http://schemas.microsoft.com/office/drawing/2017/decorative" val="1"/>
+              </a:ext>
+            </a:extLst>
+          </p:cNvPr>
+          <p:cNvSpPr>
+            <a:spLocks noGrp="1" noRot="1" noChangeAspect="1" noMove="1" noResize="1" noEditPoints="1" noAdjustHandles="1" noChangeArrowheads="1" noChangeShapeType="1" noTextEdit="1"/>
+          </p:cNvSpPr>
+          <p:nvPr>
+            <p:extLst>
+              <p:ext uri="{386F3935-93C4-4BCD-93E2-E3B085C9AB24}">
+                <p16:designElem xmlns:p16="http://schemas.microsoft.com/office/powerpoint/2015/main" val="1"/>
+              </p:ext>
+            </p:extLst>
+          </p:nvPr>
+        </p:nvSpPr>
+        <p:spPr>
+          <a:xfrm flipH="1">
+            <a:off x="-1" y="-1"/>
+            <a:ext cx="12191998" cy="1590742"/>
+          </a:xfrm>
+          <a:prstGeom prst="rect">
+            <a:avLst/>
+          </a:prstGeom>
+          <a:gradFill>
+            <a:gsLst>
+              <a:gs pos="0">
+                <a:srgbClr val="000000"/>
+              </a:gs>
+              <a:gs pos="100000">
+                <a:schemeClr val="accent1">
+                  <a:lumMod val="75000"/>
+                </a:schemeClr>
+              </a:gs>
+            </a:gsLst>
+            <a:lin ang="8400000" scaled="0"/>
+          </a:gradFill>
+          <a:ln>
+            <a:noFill/>
+          </a:ln>
+        </p:spPr>
+        <p:style>
+          <a:lnRef idx="2">
+            <a:schemeClr val="accent1">
+              <a:shade val="50000"/>
+            </a:schemeClr>
+          </a:lnRef>
+          <a:fillRef idx="1">
+            <a:schemeClr val="accent1"/>
+          </a:fillRef>
+          <a:effectRef idx="0">
+            <a:schemeClr val="accent1"/>
+          </a:effectRef>
+          <a:fontRef idx="minor">
+            <a:schemeClr val="lt1"/>
+          </a:fontRef>
+        </p:style>
+        <p:txBody>
+          <a:bodyPr rtlCol="0" anchor="ctr"/>
+          <a:lstStyle/>
+          <a:p>
+            <a:pPr algn="ctr"/>
+            <a:endParaRPr lang="en-US"/>
+          </a:p>
+        </p:txBody>
+      </p:sp>
+      <p:sp>
+        <p:nvSpPr>
+          <p:cNvPr id="12" name="Rectangle 11">
+            <a:extLst>
+              <a:ext uri="{FF2B5EF4-FFF2-40B4-BE49-F238E27FC236}">
+                <a16:creationId xmlns:a16="http://schemas.microsoft.com/office/drawing/2014/main" id="{BC4C4868-CB8F-4AF9-9CDB-8108F2C19B67}"/>
+              </a:ext>
+              <a:ext uri="{C183D7F6-B498-43B3-948B-1728B52AA6E4}">
+                <adec:decorative xmlns:adec="http://schemas.microsoft.com/office/drawing/2017/decorative" val="1"/>
+              </a:ext>
+            </a:extLst>
+          </p:cNvPr>
+          <p:cNvSpPr>
+            <a:spLocks noGrp="1" noRot="1" noChangeAspect="1" noMove="1" noResize="1" noEditPoints="1" noAdjustHandles="1" noChangeArrowheads="1" noChangeShapeType="1" noTextEdit="1"/>
+          </p:cNvSpPr>
+          <p:nvPr>
+            <p:extLst>
+              <p:ext uri="{386F3935-93C4-4BCD-93E2-E3B085C9AB24}">
+                <p16:designElem xmlns:p16="http://schemas.microsoft.com/office/powerpoint/2015/main" val="1"/>
+              </p:ext>
+            </p:extLst>
+          </p:nvPr>
+        </p:nvSpPr>
+        <p:spPr>
+          <a:xfrm rot="10800000" flipH="1">
+            <a:off x="-3" y="0"/>
+            <a:ext cx="8115306" cy="1590742"/>
+          </a:xfrm>
+          <a:prstGeom prst="rect">
+            <a:avLst/>
+          </a:prstGeom>
+          <a:gradFill>
+            <a:gsLst>
+              <a:gs pos="20000">
+                <a:schemeClr val="accent1">
+                  <a:alpha val="0"/>
+                </a:schemeClr>
+              </a:gs>
+              <a:gs pos="100000">
+                <a:schemeClr val="accent1">
+                  <a:lumMod val="50000"/>
+                  <a:alpha val="55000"/>
+                </a:schemeClr>
+              </a:gs>
+            </a:gsLst>
+            <a:lin ang="13800000" scaled="0"/>
+          </a:gradFill>
+          <a:ln>
+            <a:noFill/>
+          </a:ln>
+        </p:spPr>
+        <p:style>
+          <a:lnRef idx="2">
+            <a:schemeClr val="accent1">
+              <a:shade val="50000"/>
+            </a:schemeClr>
+          </a:lnRef>
+          <a:fillRef idx="1">
+            <a:schemeClr val="accent1"/>
+          </a:fillRef>
+          <a:effectRef idx="0">
+            <a:schemeClr val="accent1"/>
+          </a:effectRef>
+          <a:fontRef idx="minor">
+            <a:schemeClr val="lt1"/>
+          </a:fontRef>
+        </p:style>
+        <p:txBody>
+          <a:bodyPr rtlCol="0" anchor="ctr"/>
+          <a:lstStyle/>
+          <a:p>
+            <a:pPr algn="ctr"/>
+            <a:endParaRPr lang="en-US"/>
+          </a:p>
+        </p:txBody>
+      </p:sp>
+      <p:sp>
+        <p:nvSpPr>
+          <p:cNvPr id="14" name="Rectangle 13">
+            <a:extLst>
+              <a:ext uri="{FF2B5EF4-FFF2-40B4-BE49-F238E27FC236}">
+                <a16:creationId xmlns:a16="http://schemas.microsoft.com/office/drawing/2014/main" id="{375E0459-6403-40CD-989D-56A4407CA12E}"/>
+              </a:ext>
+              <a:ext uri="{C183D7F6-B498-43B3-948B-1728B52AA6E4}">
+                <adec:decorative xmlns:adec="http://schemas.microsoft.com/office/drawing/2017/decorative" val="1"/>
+              </a:ext>
+            </a:extLst>
+          </p:cNvPr>
+          <p:cNvSpPr>
+            <a:spLocks noGrp="1" noRot="1" noChangeAspect="1" noMove="1" noResize="1" noEditPoints="1" noAdjustHandles="1" noChangeArrowheads="1" noChangeShapeType="1" noTextEdit="1"/>
+          </p:cNvSpPr>
+          <p:nvPr>
+            <p:extLst>
+              <p:ext uri="{386F3935-93C4-4BCD-93E2-E3B085C9AB24}">
+                <p16:designElem xmlns:p16="http://schemas.microsoft.com/office/powerpoint/2015/main" val="1"/>
+              </p:ext>
+            </p:extLst>
+          </p:nvPr>
+        </p:nvSpPr>
+        <p:spPr>
+          <a:xfrm flipH="1">
+            <a:off x="8115299" y="-1"/>
+            <a:ext cx="4076698" cy="1590742"/>
+          </a:xfrm>
+          <a:prstGeom prst="rect">
+            <a:avLst/>
+          </a:prstGeom>
+          <a:gradFill>
+            <a:gsLst>
+              <a:gs pos="0">
+                <a:schemeClr val="accent1">
+                  <a:alpha val="66000"/>
+                </a:schemeClr>
+              </a:gs>
+              <a:gs pos="100000">
+                <a:srgbClr val="000000">
+                  <a:alpha val="30000"/>
+                </a:srgbClr>
+              </a:gs>
+            </a:gsLst>
+            <a:lin ang="13200000" scaled="0"/>
+          </a:gradFill>
+          <a:ln>
+            <a:noFill/>
+          </a:ln>
+        </p:spPr>
+        <p:style>
+          <a:lnRef idx="2">
+            <a:schemeClr val="accent1">
+              <a:shade val="50000"/>
+            </a:schemeClr>
+          </a:lnRef>
+          <a:fillRef idx="1">
+            <a:schemeClr val="accent1"/>
+          </a:fillRef>
+          <a:effectRef idx="0">
+            <a:schemeClr val="accent1"/>
+          </a:effectRef>
+          <a:fontRef idx="minor">
+            <a:schemeClr val="lt1"/>
+          </a:fontRef>
+        </p:style>
+        <p:txBody>
+          <a:bodyPr rtlCol="0" anchor="ctr"/>
+          <a:lstStyle/>
+          <a:p>
+            <a:pPr algn="ctr"/>
+            <a:endParaRPr lang="en-US"/>
+          </a:p>
+        </p:txBody>
+      </p:sp>
+      <p:sp>
+        <p:nvSpPr>
+          <p:cNvPr id="16" name="Rectangle 15">
+            <a:extLst>
+              <a:ext uri="{FF2B5EF4-FFF2-40B4-BE49-F238E27FC236}">
+                <a16:creationId xmlns:a16="http://schemas.microsoft.com/office/drawing/2014/main" id="{53E5B1A8-3AC9-4BD1-9BBC-78CA94F2D1BA}"/>
+              </a:ext>
+              <a:ext uri="{C183D7F6-B498-43B3-948B-1728B52AA6E4}">
+                <adec:decorative xmlns:adec="http://schemas.microsoft.com/office/drawing/2017/decorative" val="1"/>
+              </a:ext>
+            </a:extLst>
+          </p:cNvPr>
+          <p:cNvSpPr>
+            <a:spLocks noGrp="1" noRot="1" noChangeAspect="1" noMove="1" noResize="1" noEditPoints="1" noAdjustHandles="1" noChangeArrowheads="1" noChangeShapeType="1" noTextEdit="1"/>
+          </p:cNvSpPr>
+          <p:nvPr>
+            <p:extLst>
+              <p:ext uri="{386F3935-93C4-4BCD-93E2-E3B085C9AB24}">
+                <p16:designElem xmlns:p16="http://schemas.microsoft.com/office/powerpoint/2015/main" val="1"/>
+              </p:ext>
+            </p:extLst>
+          </p:nvPr>
+        </p:nvSpPr>
+        <p:spPr>
+          <a:xfrm>
+            <a:off x="459350" y="-1"/>
+            <a:ext cx="11732646" cy="1597433"/>
+          </a:xfrm>
+          <a:prstGeom prst="rect">
+            <a:avLst/>
+          </a:prstGeom>
+          <a:gradFill>
+            <a:gsLst>
+              <a:gs pos="50000">
+                <a:srgbClr val="000000">
+                  <a:alpha val="0"/>
+                </a:srgbClr>
+              </a:gs>
+              <a:gs pos="99000">
+                <a:schemeClr val="accent1">
+                  <a:lumMod val="50000"/>
+                  <a:alpha val="52000"/>
+                </a:schemeClr>
+              </a:gs>
+            </a:gsLst>
+            <a:lin ang="16800000" scaled="0"/>
+          </a:gradFill>
+          <a:ln>
+            <a:noFill/>
+          </a:ln>
+        </p:spPr>
+        <p:style>
+          <a:lnRef idx="2">
+            <a:schemeClr val="accent1">
+              <a:shade val="50000"/>
+            </a:schemeClr>
+          </a:lnRef>
+          <a:fillRef idx="1">
+            <a:schemeClr val="accent1"/>
+          </a:fillRef>
+          <a:effectRef idx="0">
+            <a:schemeClr val="accent1"/>
+          </a:effectRef>
+          <a:fontRef idx="minor">
+            <a:schemeClr val="lt1"/>
+          </a:fontRef>
+        </p:style>
+        <p:txBody>
+          <a:bodyPr rtlCol="0" anchor="ctr"/>
+          <a:lstStyle/>
+          <a:p>
+            <a:pPr algn="ctr"/>
+            <a:endParaRPr lang="en-US"/>
+          </a:p>
+        </p:txBody>
+      </p:sp>
+      <p:sp>
+        <p:nvSpPr>
+          <p:cNvPr id="2" name="Заголовок 1">
+            <a:extLst>
+              <a:ext uri="{FF2B5EF4-FFF2-40B4-BE49-F238E27FC236}">
+                <a16:creationId xmlns:a16="http://schemas.microsoft.com/office/drawing/2014/main" id="{FE2F1AEF-A5FB-C26E-9FF5-35FFA83CF564}"/>
+              </a:ext>
+            </a:extLst>
+          </p:cNvPr>
+          <p:cNvSpPr>
+            <a:spLocks noGrp="1"/>
+          </p:cNvSpPr>
+          <p:nvPr>
+            <p:ph type="title"/>
+          </p:nvPr>
+        </p:nvSpPr>
+        <p:spPr>
+          <a:xfrm>
+            <a:off x="1371599" y="294538"/>
+            <a:ext cx="9895951" cy="1033669"/>
+          </a:xfrm>
+        </p:spPr>
+        <p:txBody>
+          <a:bodyPr>
+            <a:normAutofit/>
           </a:bodyPr>
           <a:lstStyle/>
           <a:p>
-            <a:pPr marL="285750" indent="-285750">
-              <a:buFont typeface="Arial" panose="020B0604020202020204" pitchFamily="34" charset="0"/>
-              <a:buChar char="•"/>
-            </a:pPr>
-            <a:r>
-              <a:rPr lang="ru-RU" dirty="0"/>
-              <a:t>Что остаётся сделать:</a:t>
-            </a:r>
-          </a:p>
+            <a:pPr algn="ctr"/>
+            <a:r>
+              <a:rPr lang="ru-RU" sz="2400" dirty="0">
+                <a:solidFill>
+                  <a:srgbClr val="FFFFFF"/>
+                </a:solidFill>
+              </a:rPr>
+              <a:t>Что остаётся сделать.</a:t>
+            </a:r>
+          </a:p>
+        </p:txBody>
+      </p:sp>
+      <p:sp>
+        <p:nvSpPr>
+          <p:cNvPr id="3" name="Объект 2">
+            <a:extLst>
+              <a:ext uri="{FF2B5EF4-FFF2-40B4-BE49-F238E27FC236}">
+                <a16:creationId xmlns:a16="http://schemas.microsoft.com/office/drawing/2014/main" id="{DA9BCBDE-0473-07C2-9EE9-DC1DED503E42}"/>
+              </a:ext>
+            </a:extLst>
+          </p:cNvPr>
+          <p:cNvSpPr>
+            <a:spLocks noGrp="1"/>
+          </p:cNvSpPr>
+          <p:nvPr>
+            <p:ph idx="1"/>
+          </p:nvPr>
+        </p:nvSpPr>
+        <p:spPr>
+          <a:xfrm>
+            <a:off x="3837261" y="3162299"/>
+            <a:ext cx="4517473" cy="2117452"/>
+          </a:xfrm>
+        </p:spPr>
+        <p:txBody>
+          <a:bodyPr anchor="ctr">
+            <a:normAutofit/>
+          </a:bodyPr>
+          <a:lstStyle/>
           <a:p>
             <a:pPr marL="342900" indent="-342900">
               <a:lnSpc>
@@ -6054,8 +7651,8 @@
               <a:buAutoNum type="arabicPeriod"/>
             </a:pPr>
             <a:r>
-              <a:rPr lang="ru-RU" dirty="0"/>
-              <a:t>Добавить функционал настройки ОС.</a:t>
+              <a:rPr lang="ru-RU" sz="1800" dirty="0"/>
+              <a:t>Изучить принцип работы с ОС через ЯП.</a:t>
             </a:r>
           </a:p>
           <a:p>
@@ -6067,16 +7664,32 @@
               <a:buAutoNum type="arabicPeriod"/>
             </a:pPr>
             <a:r>
-              <a:rPr lang="ru-RU" dirty="0"/>
+              <a:rPr lang="ru-RU" sz="1800" dirty="0"/>
+              <a:t>Добавить функционал настройки ОС.</a:t>
+            </a:r>
+          </a:p>
+          <a:p>
+            <a:pPr marL="342900" indent="-342900">
+              <a:lnSpc>
+                <a:spcPct val="150000"/>
+              </a:lnSpc>
+              <a:buFont typeface="+mj-lt"/>
+              <a:buAutoNum type="arabicPeriod"/>
+            </a:pPr>
+            <a:r>
+              <a:rPr lang="ru-RU" sz="1800" dirty="0"/>
               <a:t>Продумать и доделать интерфейс.</a:t>
             </a:r>
+          </a:p>
+          <a:p>
+            <a:endParaRPr lang="ru-RU" sz="2000" dirty="0"/>
           </a:p>
         </p:txBody>
       </p:sp>
     </p:spTree>
     <p:extLst>
       <p:ext uri="{BB962C8B-B14F-4D97-AF65-F5344CB8AC3E}">
-        <p14:creationId xmlns:p14="http://schemas.microsoft.com/office/powerpoint/2010/main" val="3137107854"/>
+        <p14:creationId xmlns:p14="http://schemas.microsoft.com/office/powerpoint/2010/main" val="3839314436"/>
       </p:ext>
     </p:extLst>
   </p:cSld>

--- a/Презентация.pptx
+++ b/Презентация.pptx
@@ -4454,7 +4454,7 @@
           <a:p>
             <a:r>
               <a:rPr lang="ru-RU" sz="1800" dirty="0"/>
-              <a:t>Идея: попробовать разработать приложение со взаимодействием с ОС.</a:t>
+              <a:t>Идея: попробовать разработать приложение со взаимодействием с операционной системой (ОС).</a:t>
             </a:r>
           </a:p>
           <a:p>

--- a/Презентация.pptx
+++ b/Презентация.pptx
@@ -3932,8 +3932,8 @@
         </p:nvSpPr>
         <p:spPr>
           <a:xfrm>
-            <a:off x="1350682" y="4870824"/>
-            <a:ext cx="10005951" cy="1458258"/>
+            <a:off x="4521721" y="5307051"/>
+            <a:ext cx="7558426" cy="1458258"/>
           </a:xfrm>
         </p:spPr>
         <p:txBody>
@@ -3944,28 +3944,24 @@
           <a:p>
             <a:pPr algn="l"/>
             <a:r>
-              <a:rPr lang="ru-RU" dirty="0"/>
+              <a:rPr lang="ru-RU" sz="1600" dirty="0"/>
               <a:t>Автор: Бабич Ростислав Олегович 11-Б</a:t>
             </a:r>
-            <a:endParaRPr lang="en-US" dirty="0"/>
+            <a:endParaRPr lang="en-US" sz="1600" dirty="0"/>
           </a:p>
           <a:p>
             <a:pPr algn="l"/>
             <a:r>
-              <a:rPr lang="ru-RU" dirty="0"/>
+              <a:rPr lang="ru-RU" sz="1600" dirty="0"/>
               <a:t>Руководитель: </a:t>
             </a:r>
             <a:r>
-              <a:rPr lang="ru-RU" dirty="0" err="1"/>
+              <a:rPr lang="ru-RU" sz="1600" dirty="0" err="1"/>
               <a:t>Муляшов</a:t>
             </a:r>
             <a:r>
-              <a:rPr lang="ru-RU" dirty="0"/>
-              <a:t> Нил Дмитриевич (педагог дополнительного </a:t>
-            </a:r>
-            <a:r>
-              <a:rPr lang="ru-RU"/>
-              <a:t>образования)</a:t>
+              <a:rPr lang="ru-RU" sz="1600" dirty="0"/>
+              <a:t> Нил Дмитриевич (педагог дополнительного образования)</a:t>
             </a:r>
           </a:p>
         </p:txBody>
@@ -4419,7 +4415,7 @@
                   <a:srgbClr val="FFFFFF"/>
                 </a:solidFill>
               </a:rPr>
-              <a:t>Идея и проблема.</a:t>
+              <a:t>Идея, проблема, актуальность.</a:t>
             </a:r>
           </a:p>
         </p:txBody>
@@ -4442,13 +4438,13 @@
         </p:nvSpPr>
         <p:spPr>
           <a:xfrm>
-            <a:off x="2139193" y="2365695"/>
+            <a:off x="2164360" y="2592198"/>
             <a:ext cx="7675926" cy="2432808"/>
           </a:xfrm>
         </p:spPr>
         <p:txBody>
           <a:bodyPr anchor="ctr">
-            <a:normAutofit/>
+            <a:noAutofit/>
           </a:bodyPr>
           <a:lstStyle/>
           <a:p>
@@ -4458,6 +4454,18 @@
             </a:r>
           </a:p>
           <a:p>
+            <a:endParaRPr lang="ru-RU" sz="1800" dirty="0"/>
+          </a:p>
+          <a:p>
+            <a:r>
+              <a:rPr lang="ru-RU" sz="1800" dirty="0"/>
+              <a:t>Актуальность: настроить систему под себя хочется всем, но есть свои проблемы.</a:t>
+            </a:r>
+          </a:p>
+          <a:p>
+            <a:pPr marL="0" indent="0">
+              <a:buNone/>
+            </a:pPr>
             <a:endParaRPr lang="ru-RU" sz="1800" dirty="0"/>
           </a:p>
           <a:p>

--- a/Презентация.pptx
+++ b/Презентация.pptx
@@ -4471,7 +4471,7 @@
           <a:p>
             <a:r>
               <a:rPr lang="ru-RU" sz="1800" dirty="0"/>
-              <a:t>Проблема: использование панели управление может занять больше времени, чем нужно.</a:t>
+              <a:t>Проблема: использование панели управления может занять больше времени, чем нужно, и она не всегда вполне удобна.</a:t>
             </a:r>
           </a:p>
         </p:txBody>

--- a/Презентация.pptx
+++ b/Презентация.pptx
@@ -5482,17 +5482,8 @@
           <a:lstStyle/>
           <a:p>
             <a:r>
-              <a:rPr lang="ru-RU" sz="1800" dirty="0"/>
+              <a:rPr lang="ru-RU" sz="2000" dirty="0"/>
               <a:t>Основная задача: сократить среднее время, потраченное на настройку.</a:t>
-            </a:r>
-          </a:p>
-          <a:p>
-            <a:endParaRPr lang="ru-RU" sz="1800" dirty="0"/>
-          </a:p>
-          <a:p>
-            <a:r>
-              <a:rPr lang="ru-RU" sz="1800" dirty="0"/>
-              <a:t>Способ решения: создать небольшое приложение, которое имеет основные функции с более удобным интерфейсом.</a:t>
             </a:r>
           </a:p>
         </p:txBody>

--- a/Презентация.pptx
+++ b/Презентация.pptx
@@ -4981,7 +4981,7 @@
             </a:pPr>
             <a:r>
               <a:rPr lang="ru-RU" sz="1800" dirty="0"/>
-              <a:t>Предмет: работа с интерфейсом и ОС с помощью</a:t>
+              <a:t>Предмет: работа с интерфейсом и ОС с помощью </a:t>
             </a:r>
             <a:r>
               <a:rPr lang="en-US" sz="1800" dirty="0"/>
@@ -5448,7 +5448,7 @@
                   <a:srgbClr val="FFFFFF"/>
                 </a:solidFill>
               </a:rPr>
-              <a:t>Цель и метод её достижения.</a:t>
+              <a:t>Цель.</a:t>
             </a:r>
           </a:p>
         </p:txBody>
@@ -5483,7 +5483,15 @@
           <a:p>
             <a:r>
               <a:rPr lang="ru-RU" sz="2000" dirty="0"/>
-              <a:t>Основная задача: сократить среднее время, потраченное на настройку.</a:t>
+              <a:t>Цель: сократить среднее время, потраченное на настройку системы </a:t>
+            </a:r>
+            <a:r>
+              <a:rPr lang="en-US" sz="2000" dirty="0"/>
+              <a:t>Windows</a:t>
+            </a:r>
+            <a:r>
+              <a:rPr lang="ru-RU" sz="2000" dirty="0"/>
+              <a:t>.</a:t>
             </a:r>
           </a:p>
         </p:txBody>

--- a/Презентация.pptx
+++ b/Презентация.pptx
@@ -13,6 +13,7 @@
     <p:sldId id="262" r:id="rId7"/>
     <p:sldId id="263" r:id="rId8"/>
     <p:sldId id="264" r:id="rId9"/>
+    <p:sldId id="265" r:id="rId10"/>
   </p:sldIdLst>
   <p:sldSz cx="12192000" cy="6858000"/>
   <p:notesSz cx="6858000" cy="9144000"/>
@@ -266,7 +267,7 @@
           <a:p>
             <a:fld id="{4564DCD7-30E3-4781-8FCE-603DB932AE09}" type="datetimeFigureOut">
               <a:rPr lang="ru-RU" smtClean="0"/>
-              <a:t>29.12.2022</a:t>
+              <a:t>16.02.2023</a:t>
             </a:fld>
             <a:endParaRPr lang="ru-RU"/>
           </a:p>
@@ -464,7 +465,7 @@
           <a:p>
             <a:fld id="{4564DCD7-30E3-4781-8FCE-603DB932AE09}" type="datetimeFigureOut">
               <a:rPr lang="ru-RU" smtClean="0"/>
-              <a:t>29.12.2022</a:t>
+              <a:t>16.02.2023</a:t>
             </a:fld>
             <a:endParaRPr lang="ru-RU"/>
           </a:p>
@@ -672,7 +673,7 @@
           <a:p>
             <a:fld id="{4564DCD7-30E3-4781-8FCE-603DB932AE09}" type="datetimeFigureOut">
               <a:rPr lang="ru-RU" smtClean="0"/>
-              <a:t>29.12.2022</a:t>
+              <a:t>16.02.2023</a:t>
             </a:fld>
             <a:endParaRPr lang="ru-RU"/>
           </a:p>
@@ -870,7 +871,7 @@
           <a:p>
             <a:fld id="{4564DCD7-30E3-4781-8FCE-603DB932AE09}" type="datetimeFigureOut">
               <a:rPr lang="ru-RU" smtClean="0"/>
-              <a:t>29.12.2022</a:t>
+              <a:t>16.02.2023</a:t>
             </a:fld>
             <a:endParaRPr lang="ru-RU"/>
           </a:p>
@@ -1145,7 +1146,7 @@
           <a:p>
             <a:fld id="{4564DCD7-30E3-4781-8FCE-603DB932AE09}" type="datetimeFigureOut">
               <a:rPr lang="ru-RU" smtClean="0"/>
-              <a:t>29.12.2022</a:t>
+              <a:t>16.02.2023</a:t>
             </a:fld>
             <a:endParaRPr lang="ru-RU"/>
           </a:p>
@@ -1410,7 +1411,7 @@
           <a:p>
             <a:fld id="{4564DCD7-30E3-4781-8FCE-603DB932AE09}" type="datetimeFigureOut">
               <a:rPr lang="ru-RU" smtClean="0"/>
-              <a:t>29.12.2022</a:t>
+              <a:t>16.02.2023</a:t>
             </a:fld>
             <a:endParaRPr lang="ru-RU"/>
           </a:p>
@@ -1822,7 +1823,7 @@
           <a:p>
             <a:fld id="{4564DCD7-30E3-4781-8FCE-603DB932AE09}" type="datetimeFigureOut">
               <a:rPr lang="ru-RU" smtClean="0"/>
-              <a:t>29.12.2022</a:t>
+              <a:t>16.02.2023</a:t>
             </a:fld>
             <a:endParaRPr lang="ru-RU"/>
           </a:p>
@@ -1963,7 +1964,7 @@
           <a:p>
             <a:fld id="{4564DCD7-30E3-4781-8FCE-603DB932AE09}" type="datetimeFigureOut">
               <a:rPr lang="ru-RU" smtClean="0"/>
-              <a:t>29.12.2022</a:t>
+              <a:t>16.02.2023</a:t>
             </a:fld>
             <a:endParaRPr lang="ru-RU"/>
           </a:p>
@@ -2076,7 +2077,7 @@
           <a:p>
             <a:fld id="{4564DCD7-30E3-4781-8FCE-603DB932AE09}" type="datetimeFigureOut">
               <a:rPr lang="ru-RU" smtClean="0"/>
-              <a:t>29.12.2022</a:t>
+              <a:t>16.02.2023</a:t>
             </a:fld>
             <a:endParaRPr lang="ru-RU"/>
           </a:p>
@@ -2387,7 +2388,7 @@
           <a:p>
             <a:fld id="{4564DCD7-30E3-4781-8FCE-603DB932AE09}" type="datetimeFigureOut">
               <a:rPr lang="ru-RU" smtClean="0"/>
-              <a:t>29.12.2022</a:t>
+              <a:t>16.02.2023</a:t>
             </a:fld>
             <a:endParaRPr lang="ru-RU"/>
           </a:p>
@@ -2675,7 +2676,7 @@
           <a:p>
             <a:fld id="{4564DCD7-30E3-4781-8FCE-603DB932AE09}" type="datetimeFigureOut">
               <a:rPr lang="ru-RU" smtClean="0"/>
-              <a:t>29.12.2022</a:t>
+              <a:t>16.02.2023</a:t>
             </a:fld>
             <a:endParaRPr lang="ru-RU"/>
           </a:p>
@@ -2916,7 +2917,7 @@
           <a:p>
             <a:fld id="{4564DCD7-30E3-4781-8FCE-603DB932AE09}" type="datetimeFigureOut">
               <a:rPr lang="ru-RU" smtClean="0"/>
-              <a:t>29.12.2022</a:t>
+              <a:t>16.02.2023</a:t>
             </a:fld>
             <a:endParaRPr lang="ru-RU"/>
           </a:p>
@@ -4459,7 +4460,15 @@
           <a:p>
             <a:r>
               <a:rPr lang="ru-RU" sz="1800" dirty="0"/>
-              <a:t>Актуальность: настроить систему под себя хочется всем, но есть свои проблемы.</a:t>
+              <a:t>Актуальность: обычная панель управления в </a:t>
+            </a:r>
+            <a:r>
+              <a:rPr lang="en-US" sz="1800" dirty="0"/>
+              <a:t>Windows </a:t>
+            </a:r>
+            <a:r>
+              <a:rPr lang="ru-RU" sz="1800" dirty="0"/>
+              <a:t>не всегда удобна, довольна громоздка </a:t>
             </a:r>
           </a:p>
           <a:p>
@@ -5491,7 +5500,7 @@
             </a:r>
             <a:r>
               <a:rPr lang="ru-RU" sz="2000" dirty="0"/>
-              <a:t>.</a:t>
+              <a:t>, и добавить по возможности свои функции, отсутствующие в панели управления.</a:t>
             </a:r>
           </a:p>
         </p:txBody>
@@ -7104,30 +7113,15 @@
             </a:r>
           </a:p>
           <a:p>
-            <a:pPr marL="457200" indent="-457200">
-              <a:buFont typeface="+mj-lt"/>
-              <a:buAutoNum type="arabicPeriod"/>
-            </a:pPr>
-            <a:r>
-              <a:rPr lang="ru-RU" sz="1800" dirty="0"/>
-              <a:t>Изучена структура </a:t>
-            </a:r>
-            <a:r>
-              <a:rPr lang="en-US" sz="1800" dirty="0"/>
-              <a:t>Windows API.</a:t>
-            </a:r>
-          </a:p>
-          <a:p>
-            <a:pPr marL="457200" indent="-457200">
+            <a:pPr marL="0" indent="0">
               <a:lnSpc>
                 <a:spcPct val="100000"/>
               </a:lnSpc>
-              <a:buFont typeface="+mj-lt"/>
-              <a:buAutoNum type="arabicPeriod"/>
+              <a:buNone/>
             </a:pPr>
             <a:r>
               <a:rPr lang="ru-RU" sz="1800" dirty="0"/>
-              <a:t>Созданы основы для приложения.</a:t>
+              <a:t>2. Созданы основы для приложения: работа с мышью и система «наборов»</a:t>
             </a:r>
           </a:p>
         </p:txBody>
@@ -7587,7 +7581,7 @@
           <p:cNvPr id="2" name="Заголовок 1">
             <a:extLst>
               <a:ext uri="{FF2B5EF4-FFF2-40B4-BE49-F238E27FC236}">
-                <a16:creationId xmlns:a16="http://schemas.microsoft.com/office/drawing/2014/main" id="{FE2F1AEF-A5FB-C26E-9FF5-35FFA83CF564}"/>
+                <a16:creationId xmlns:a16="http://schemas.microsoft.com/office/drawing/2014/main" id="{99422E72-5B51-2831-66F5-21BE5307CACA}"/>
               </a:ext>
             </a:extLst>
           </p:cNvPr>
@@ -7617,7 +7611,7 @@
                   <a:srgbClr val="FFFFFF"/>
                 </a:solidFill>
               </a:rPr>
-              <a:t>Что остаётся сделать.</a:t>
+              <a:t>Ход работы.</a:t>
             </a:r>
           </a:p>
         </p:txBody>
@@ -7627,7 +7621,7 @@
           <p:cNvPr id="3" name="Объект 2">
             <a:extLst>
               <a:ext uri="{FF2B5EF4-FFF2-40B4-BE49-F238E27FC236}">
-                <a16:creationId xmlns:a16="http://schemas.microsoft.com/office/drawing/2014/main" id="{DA9BCBDE-0473-07C2-9EE9-DC1DED503E42}"/>
+                <a16:creationId xmlns:a16="http://schemas.microsoft.com/office/drawing/2014/main" id="{1A12249A-87BC-9A65-2BE1-6C3827E8CA59}"/>
               </a:ext>
             </a:extLst>
           </p:cNvPr>
@@ -7640,8 +7634,8 @@
         </p:nvSpPr>
         <p:spPr>
           <a:xfrm>
-            <a:off x="3837261" y="3162299"/>
-            <a:ext cx="4517473" cy="2117452"/>
+            <a:off x="3540154" y="1622745"/>
+            <a:ext cx="3996654" cy="1523961"/>
           </a:xfrm>
         </p:spPr>
         <p:txBody>
@@ -7650,53 +7644,569 @@
           </a:bodyPr>
           <a:lstStyle/>
           <a:p>
-            <a:pPr marL="342900" indent="-342900">
-              <a:lnSpc>
-                <a:spcPct val="150000"/>
-              </a:lnSpc>
-              <a:buFont typeface="+mj-lt"/>
-              <a:buAutoNum type="arabicPeriod"/>
-            </a:pPr>
+            <a:r>
+              <a:rPr lang="ru-RU" sz="2000" dirty="0"/>
+              <a:t>3. </a:t>
+            </a:r>
             <a:r>
               <a:rPr lang="ru-RU" sz="1800" dirty="0"/>
-              <a:t>Изучить принцип работы с ОС через ЯП.</a:t>
-            </a:r>
-          </a:p>
-          <a:p>
-            <a:pPr marL="342900" indent="-342900">
-              <a:lnSpc>
-                <a:spcPct val="150000"/>
-              </a:lnSpc>
-              <a:buFont typeface="+mj-lt"/>
-              <a:buAutoNum type="arabicPeriod"/>
-            </a:pPr>
-            <a:r>
-              <a:rPr lang="ru-RU" sz="1800" dirty="0"/>
-              <a:t>Добавить функционал настройки ОС.</a:t>
-            </a:r>
-          </a:p>
-          <a:p>
-            <a:pPr marL="342900" indent="-342900">
-              <a:lnSpc>
-                <a:spcPct val="150000"/>
-              </a:lnSpc>
-              <a:buFont typeface="+mj-lt"/>
-              <a:buAutoNum type="arabicPeriod"/>
-            </a:pPr>
-            <a:r>
-              <a:rPr lang="ru-RU" sz="1800" dirty="0"/>
-              <a:t>Продумать и доделать интерфейс.</a:t>
-            </a:r>
-          </a:p>
-          <a:p>
-            <a:endParaRPr lang="ru-RU" sz="2000" dirty="0"/>
-          </a:p>
-        </p:txBody>
-      </p:sp>
+              <a:t>Создана новая идея: т.н. наборы</a:t>
+            </a:r>
+          </a:p>
+        </p:txBody>
+      </p:sp>
+      <p:pic>
+        <p:nvPicPr>
+          <p:cNvPr id="5" name="Рисунок 4" descr="Изображение выглядит как стол&#10;&#10;Автоматически созданное описание">
+            <a:extLst>
+              <a:ext uri="{FF2B5EF4-FFF2-40B4-BE49-F238E27FC236}">
+                <a16:creationId xmlns:a16="http://schemas.microsoft.com/office/drawing/2014/main" id="{E72A4439-8CFD-4539-382C-BE5C79B4333D}"/>
+              </a:ext>
+            </a:extLst>
+          </p:cNvPr>
+          <p:cNvPicPr>
+            <a:picLocks noChangeAspect="1"/>
+          </p:cNvPicPr>
+          <p:nvPr/>
+        </p:nvPicPr>
+        <p:blipFill>
+          <a:blip r:embed="rId2">
+            <a:extLst>
+              <a:ext uri="{28A0092B-C50C-407E-A947-70E740481C1C}">
+                <a14:useLocalDpi xmlns:a14="http://schemas.microsoft.com/office/drawing/2010/main" val="0"/>
+              </a:ext>
+            </a:extLst>
+          </a:blip>
+          <a:stretch>
+            <a:fillRect/>
+          </a:stretch>
+        </p:blipFill>
+        <p:spPr>
+          <a:xfrm>
+            <a:off x="3833769" y="2994869"/>
+            <a:ext cx="3129460" cy="2811163"/>
+          </a:xfrm>
+          <a:prstGeom prst="rect">
+            <a:avLst/>
+          </a:prstGeom>
+        </p:spPr>
+      </p:pic>
     </p:spTree>
     <p:extLst>
       <p:ext uri="{BB962C8B-B14F-4D97-AF65-F5344CB8AC3E}">
-        <p14:creationId xmlns:p14="http://schemas.microsoft.com/office/powerpoint/2010/main" val="3839314436"/>
+        <p14:creationId xmlns:p14="http://schemas.microsoft.com/office/powerpoint/2010/main" val="2006785401"/>
+      </p:ext>
+    </p:extLst>
+  </p:cSld>
+  <p:clrMapOvr>
+    <a:masterClrMapping/>
+  </p:clrMapOvr>
+</p:sld>
+</file>
+
+<file path=ppt/slides/slide9.xml><?xml version="1.0" encoding="utf-8"?>
+<p:sld xmlns:a="http://schemas.openxmlformats.org/drawingml/2006/main" xmlns:r="http://schemas.openxmlformats.org/officeDocument/2006/relationships" xmlns:p="http://schemas.openxmlformats.org/presentationml/2006/main">
+  <p:cSld>
+    <p:bg>
+      <p:bgPr>
+        <a:solidFill>
+          <a:schemeClr val="bg1"/>
+        </a:solidFill>
+        <a:effectLst/>
+      </p:bgPr>
+    </p:bg>
+    <p:spTree>
+      <p:nvGrpSpPr>
+        <p:cNvPr id="1" name=""/>
+        <p:cNvGrpSpPr/>
+        <p:nvPr/>
+      </p:nvGrpSpPr>
+      <p:grpSpPr>
+        <a:xfrm>
+          <a:off x="0" y="0"/>
+          <a:ext cx="0" cy="0"/>
+          <a:chOff x="0" y="0"/>
+          <a:chExt cx="0" cy="0"/>
+        </a:xfrm>
+      </p:grpSpPr>
+      <p:sp useBgFill="1">
+        <p:nvSpPr>
+          <p:cNvPr id="8" name="Rectangle 7">
+            <a:extLst>
+              <a:ext uri="{FF2B5EF4-FFF2-40B4-BE49-F238E27FC236}">
+                <a16:creationId xmlns:a16="http://schemas.microsoft.com/office/drawing/2014/main" id="{1B15ED52-F352-441B-82BF-E0EA34836D08}"/>
+              </a:ext>
+              <a:ext uri="{C183D7F6-B498-43B3-948B-1728B52AA6E4}">
+                <adec:decorative xmlns:adec="http://schemas.microsoft.com/office/drawing/2017/decorative" val="1"/>
+              </a:ext>
+            </a:extLst>
+          </p:cNvPr>
+          <p:cNvSpPr>
+            <a:spLocks noGrp="1" noRot="1" noChangeAspect="1" noMove="1" noResize="1" noEditPoints="1" noAdjustHandles="1" noChangeArrowheads="1" noChangeShapeType="1" noTextEdit="1"/>
+          </p:cNvSpPr>
+          <p:nvPr>
+            <p:extLst>
+              <p:ext uri="{386F3935-93C4-4BCD-93E2-E3B085C9AB24}">
+                <p16:designElem xmlns:p16="http://schemas.microsoft.com/office/powerpoint/2015/main" val="1"/>
+              </p:ext>
+            </p:extLst>
+          </p:nvPr>
+        </p:nvSpPr>
+        <p:spPr>
+          <a:xfrm>
+            <a:off x="0" y="0"/>
+            <a:ext cx="12192000" cy="6858000"/>
+          </a:xfrm>
+          <a:prstGeom prst="rect">
+            <a:avLst/>
+          </a:prstGeom>
+          <a:ln w="12700" cap="flat" cmpd="sng" algn="ctr">
+            <a:noFill/>
+            <a:prstDash val="solid"/>
+            <a:miter lim="800000"/>
+          </a:ln>
+          <a:effectLst/>
+          <a:extLst>
+            <a:ext uri="{91240B29-F687-4F45-9708-019B960494DF}">
+              <a14:hiddenLine xmlns:a14="http://schemas.microsoft.com/office/drawing/2010/main" w="12700" cap="flat" cmpd="sng" algn="ctr">
+                <a:solidFill>
+                  <a:schemeClr val="accent1">
+                    <a:shade val="50000"/>
+                  </a:schemeClr>
+                </a:solidFill>
+                <a:prstDash val="solid"/>
+                <a:miter lim="800000"/>
+              </a14:hiddenLine>
+            </a:ext>
+          </a:extLst>
+        </p:spPr>
+        <p:style>
+          <a:lnRef idx="2">
+            <a:schemeClr val="accent1">
+              <a:shade val="50000"/>
+            </a:schemeClr>
+          </a:lnRef>
+          <a:fillRef idx="1">
+            <a:schemeClr val="accent1"/>
+          </a:fillRef>
+          <a:effectRef idx="0">
+            <a:schemeClr val="accent1"/>
+          </a:effectRef>
+          <a:fontRef idx="minor">
+            <a:schemeClr val="lt1"/>
+          </a:fontRef>
+        </p:style>
+        <p:txBody>
+          <a:bodyPr rtlCol="0" anchor="ctr"/>
+          <a:lstStyle/>
+          <a:p>
+            <a:pPr algn="ctr"/>
+            <a:endParaRPr lang="en-US"/>
+          </a:p>
+        </p:txBody>
+      </p:sp>
+      <p:sp>
+        <p:nvSpPr>
+          <p:cNvPr id="10" name="Rectangle 9">
+            <a:extLst>
+              <a:ext uri="{FF2B5EF4-FFF2-40B4-BE49-F238E27FC236}">
+                <a16:creationId xmlns:a16="http://schemas.microsoft.com/office/drawing/2014/main" id="{3B2E3793-BFE6-45A2-9B7B-E18844431C99}"/>
+              </a:ext>
+              <a:ext uri="{C183D7F6-B498-43B3-948B-1728B52AA6E4}">
+                <adec:decorative xmlns:adec="http://schemas.microsoft.com/office/drawing/2017/decorative" val="1"/>
+              </a:ext>
+            </a:extLst>
+          </p:cNvPr>
+          <p:cNvSpPr>
+            <a:spLocks noGrp="1" noRot="1" noChangeAspect="1" noMove="1" noResize="1" noEditPoints="1" noAdjustHandles="1" noChangeArrowheads="1" noChangeShapeType="1" noTextEdit="1"/>
+          </p:cNvSpPr>
+          <p:nvPr>
+            <p:extLst>
+              <p:ext uri="{386F3935-93C4-4BCD-93E2-E3B085C9AB24}">
+                <p16:designElem xmlns:p16="http://schemas.microsoft.com/office/powerpoint/2015/main" val="1"/>
+              </p:ext>
+            </p:extLst>
+          </p:nvPr>
+        </p:nvSpPr>
+        <p:spPr>
+          <a:xfrm flipH="1">
+            <a:off x="-1" y="-1"/>
+            <a:ext cx="12191998" cy="1590742"/>
+          </a:xfrm>
+          <a:prstGeom prst="rect">
+            <a:avLst/>
+          </a:prstGeom>
+          <a:gradFill>
+            <a:gsLst>
+              <a:gs pos="0">
+                <a:srgbClr val="000000"/>
+              </a:gs>
+              <a:gs pos="100000">
+                <a:schemeClr val="accent1">
+                  <a:lumMod val="75000"/>
+                </a:schemeClr>
+              </a:gs>
+            </a:gsLst>
+            <a:lin ang="8400000" scaled="0"/>
+          </a:gradFill>
+          <a:ln>
+            <a:noFill/>
+          </a:ln>
+        </p:spPr>
+        <p:style>
+          <a:lnRef idx="2">
+            <a:schemeClr val="accent1">
+              <a:shade val="50000"/>
+            </a:schemeClr>
+          </a:lnRef>
+          <a:fillRef idx="1">
+            <a:schemeClr val="accent1"/>
+          </a:fillRef>
+          <a:effectRef idx="0">
+            <a:schemeClr val="accent1"/>
+          </a:effectRef>
+          <a:fontRef idx="minor">
+            <a:schemeClr val="lt1"/>
+          </a:fontRef>
+        </p:style>
+        <p:txBody>
+          <a:bodyPr rtlCol="0" anchor="ctr"/>
+          <a:lstStyle/>
+          <a:p>
+            <a:pPr algn="ctr"/>
+            <a:endParaRPr lang="en-US"/>
+          </a:p>
+        </p:txBody>
+      </p:sp>
+      <p:sp>
+        <p:nvSpPr>
+          <p:cNvPr id="12" name="Rectangle 11">
+            <a:extLst>
+              <a:ext uri="{FF2B5EF4-FFF2-40B4-BE49-F238E27FC236}">
+                <a16:creationId xmlns:a16="http://schemas.microsoft.com/office/drawing/2014/main" id="{BC4C4868-CB8F-4AF9-9CDB-8108F2C19B67}"/>
+              </a:ext>
+              <a:ext uri="{C183D7F6-B498-43B3-948B-1728B52AA6E4}">
+                <adec:decorative xmlns:adec="http://schemas.microsoft.com/office/drawing/2017/decorative" val="1"/>
+              </a:ext>
+            </a:extLst>
+          </p:cNvPr>
+          <p:cNvSpPr>
+            <a:spLocks noGrp="1" noRot="1" noChangeAspect="1" noMove="1" noResize="1" noEditPoints="1" noAdjustHandles="1" noChangeArrowheads="1" noChangeShapeType="1" noTextEdit="1"/>
+          </p:cNvSpPr>
+          <p:nvPr>
+            <p:extLst>
+              <p:ext uri="{386F3935-93C4-4BCD-93E2-E3B085C9AB24}">
+                <p16:designElem xmlns:p16="http://schemas.microsoft.com/office/powerpoint/2015/main" val="1"/>
+              </p:ext>
+            </p:extLst>
+          </p:nvPr>
+        </p:nvSpPr>
+        <p:spPr>
+          <a:xfrm rot="10800000" flipH="1">
+            <a:off x="-3" y="0"/>
+            <a:ext cx="8115306" cy="1590742"/>
+          </a:xfrm>
+          <a:prstGeom prst="rect">
+            <a:avLst/>
+          </a:prstGeom>
+          <a:gradFill>
+            <a:gsLst>
+              <a:gs pos="20000">
+                <a:schemeClr val="accent1">
+                  <a:alpha val="0"/>
+                </a:schemeClr>
+              </a:gs>
+              <a:gs pos="100000">
+                <a:schemeClr val="accent1">
+                  <a:lumMod val="50000"/>
+                  <a:alpha val="55000"/>
+                </a:schemeClr>
+              </a:gs>
+            </a:gsLst>
+            <a:lin ang="13800000" scaled="0"/>
+          </a:gradFill>
+          <a:ln>
+            <a:noFill/>
+          </a:ln>
+        </p:spPr>
+        <p:style>
+          <a:lnRef idx="2">
+            <a:schemeClr val="accent1">
+              <a:shade val="50000"/>
+            </a:schemeClr>
+          </a:lnRef>
+          <a:fillRef idx="1">
+            <a:schemeClr val="accent1"/>
+          </a:fillRef>
+          <a:effectRef idx="0">
+            <a:schemeClr val="accent1"/>
+          </a:effectRef>
+          <a:fontRef idx="minor">
+            <a:schemeClr val="lt1"/>
+          </a:fontRef>
+        </p:style>
+        <p:txBody>
+          <a:bodyPr rtlCol="0" anchor="ctr"/>
+          <a:lstStyle/>
+          <a:p>
+            <a:pPr algn="ctr"/>
+            <a:endParaRPr lang="en-US"/>
+          </a:p>
+        </p:txBody>
+      </p:sp>
+      <p:sp>
+        <p:nvSpPr>
+          <p:cNvPr id="14" name="Rectangle 13">
+            <a:extLst>
+              <a:ext uri="{FF2B5EF4-FFF2-40B4-BE49-F238E27FC236}">
+                <a16:creationId xmlns:a16="http://schemas.microsoft.com/office/drawing/2014/main" id="{375E0459-6403-40CD-989D-56A4407CA12E}"/>
+              </a:ext>
+              <a:ext uri="{C183D7F6-B498-43B3-948B-1728B52AA6E4}">
+                <adec:decorative xmlns:adec="http://schemas.microsoft.com/office/drawing/2017/decorative" val="1"/>
+              </a:ext>
+            </a:extLst>
+          </p:cNvPr>
+          <p:cNvSpPr>
+            <a:spLocks noGrp="1" noRot="1" noChangeAspect="1" noMove="1" noResize="1" noEditPoints="1" noAdjustHandles="1" noChangeArrowheads="1" noChangeShapeType="1" noTextEdit="1"/>
+          </p:cNvSpPr>
+          <p:nvPr>
+            <p:extLst>
+              <p:ext uri="{386F3935-93C4-4BCD-93E2-E3B085C9AB24}">
+                <p16:designElem xmlns:p16="http://schemas.microsoft.com/office/powerpoint/2015/main" val="1"/>
+              </p:ext>
+            </p:extLst>
+          </p:nvPr>
+        </p:nvSpPr>
+        <p:spPr>
+          <a:xfrm flipH="1">
+            <a:off x="8115299" y="-1"/>
+            <a:ext cx="4076698" cy="1590742"/>
+          </a:xfrm>
+          <a:prstGeom prst="rect">
+            <a:avLst/>
+          </a:prstGeom>
+          <a:gradFill>
+            <a:gsLst>
+              <a:gs pos="0">
+                <a:schemeClr val="accent1">
+                  <a:alpha val="66000"/>
+                </a:schemeClr>
+              </a:gs>
+              <a:gs pos="100000">
+                <a:srgbClr val="000000">
+                  <a:alpha val="30000"/>
+                </a:srgbClr>
+              </a:gs>
+            </a:gsLst>
+            <a:lin ang="13200000" scaled="0"/>
+          </a:gradFill>
+          <a:ln>
+            <a:noFill/>
+          </a:ln>
+        </p:spPr>
+        <p:style>
+          <a:lnRef idx="2">
+            <a:schemeClr val="accent1">
+              <a:shade val="50000"/>
+            </a:schemeClr>
+          </a:lnRef>
+          <a:fillRef idx="1">
+            <a:schemeClr val="accent1"/>
+          </a:fillRef>
+          <a:effectRef idx="0">
+            <a:schemeClr val="accent1"/>
+          </a:effectRef>
+          <a:fontRef idx="minor">
+            <a:schemeClr val="lt1"/>
+          </a:fontRef>
+        </p:style>
+        <p:txBody>
+          <a:bodyPr rtlCol="0" anchor="ctr"/>
+          <a:lstStyle/>
+          <a:p>
+            <a:pPr algn="ctr"/>
+            <a:endParaRPr lang="en-US"/>
+          </a:p>
+        </p:txBody>
+      </p:sp>
+      <p:sp>
+        <p:nvSpPr>
+          <p:cNvPr id="16" name="Rectangle 15">
+            <a:extLst>
+              <a:ext uri="{FF2B5EF4-FFF2-40B4-BE49-F238E27FC236}">
+                <a16:creationId xmlns:a16="http://schemas.microsoft.com/office/drawing/2014/main" id="{53E5B1A8-3AC9-4BD1-9BBC-78CA94F2D1BA}"/>
+              </a:ext>
+              <a:ext uri="{C183D7F6-B498-43B3-948B-1728B52AA6E4}">
+                <adec:decorative xmlns:adec="http://schemas.microsoft.com/office/drawing/2017/decorative" val="1"/>
+              </a:ext>
+            </a:extLst>
+          </p:cNvPr>
+          <p:cNvSpPr>
+            <a:spLocks noGrp="1" noRot="1" noChangeAspect="1" noMove="1" noResize="1" noEditPoints="1" noAdjustHandles="1" noChangeArrowheads="1" noChangeShapeType="1" noTextEdit="1"/>
+          </p:cNvSpPr>
+          <p:nvPr>
+            <p:extLst>
+              <p:ext uri="{386F3935-93C4-4BCD-93E2-E3B085C9AB24}">
+                <p16:designElem xmlns:p16="http://schemas.microsoft.com/office/powerpoint/2015/main" val="1"/>
+              </p:ext>
+            </p:extLst>
+          </p:nvPr>
+        </p:nvSpPr>
+        <p:spPr>
+          <a:xfrm>
+            <a:off x="459350" y="-1"/>
+            <a:ext cx="11732646" cy="1597433"/>
+          </a:xfrm>
+          <a:prstGeom prst="rect">
+            <a:avLst/>
+          </a:prstGeom>
+          <a:gradFill>
+            <a:gsLst>
+              <a:gs pos="50000">
+                <a:srgbClr val="000000">
+                  <a:alpha val="0"/>
+                </a:srgbClr>
+              </a:gs>
+              <a:gs pos="99000">
+                <a:schemeClr val="accent1">
+                  <a:lumMod val="50000"/>
+                  <a:alpha val="52000"/>
+                </a:schemeClr>
+              </a:gs>
+            </a:gsLst>
+            <a:lin ang="16800000" scaled="0"/>
+          </a:gradFill>
+          <a:ln>
+            <a:noFill/>
+          </a:ln>
+        </p:spPr>
+        <p:style>
+          <a:lnRef idx="2">
+            <a:schemeClr val="accent1">
+              <a:shade val="50000"/>
+            </a:schemeClr>
+          </a:lnRef>
+          <a:fillRef idx="1">
+            <a:schemeClr val="accent1"/>
+          </a:fillRef>
+          <a:effectRef idx="0">
+            <a:schemeClr val="accent1"/>
+          </a:effectRef>
+          <a:fontRef idx="minor">
+            <a:schemeClr val="lt1"/>
+          </a:fontRef>
+        </p:style>
+        <p:txBody>
+          <a:bodyPr rtlCol="0" anchor="ctr"/>
+          <a:lstStyle/>
+          <a:p>
+            <a:pPr algn="ctr"/>
+            <a:endParaRPr lang="en-US"/>
+          </a:p>
+        </p:txBody>
+      </p:sp>
+      <p:sp>
+        <p:nvSpPr>
+          <p:cNvPr id="2" name="Заголовок 1">
+            <a:extLst>
+              <a:ext uri="{FF2B5EF4-FFF2-40B4-BE49-F238E27FC236}">
+                <a16:creationId xmlns:a16="http://schemas.microsoft.com/office/drawing/2014/main" id="{12C375E8-501A-9A2E-7FE3-3913E0E16795}"/>
+              </a:ext>
+            </a:extLst>
+          </p:cNvPr>
+          <p:cNvSpPr>
+            <a:spLocks noGrp="1"/>
+          </p:cNvSpPr>
+          <p:nvPr>
+            <p:ph type="title"/>
+          </p:nvPr>
+        </p:nvSpPr>
+        <p:spPr>
+          <a:xfrm>
+            <a:off x="1371599" y="294538"/>
+            <a:ext cx="9895951" cy="1033669"/>
+          </a:xfrm>
+        </p:spPr>
+        <p:txBody>
+          <a:bodyPr>
+            <a:normAutofit/>
+          </a:bodyPr>
+          <a:lstStyle/>
+          <a:p>
+            <a:pPr algn="ctr"/>
+            <a:r>
+              <a:rPr lang="ru-RU" sz="2400" dirty="0">
+                <a:solidFill>
+                  <a:srgbClr val="FFFFFF"/>
+                </a:solidFill>
+              </a:rPr>
+              <a:t>При создании были использованы</a:t>
+            </a:r>
+          </a:p>
+        </p:txBody>
+      </p:sp>
+      <p:sp>
+        <p:nvSpPr>
+          <p:cNvPr id="3" name="Объект 2">
+            <a:extLst>
+              <a:ext uri="{FF2B5EF4-FFF2-40B4-BE49-F238E27FC236}">
+                <a16:creationId xmlns:a16="http://schemas.microsoft.com/office/drawing/2014/main" id="{D201EC84-0D03-3D5F-EFA5-CCBA0E93E174}"/>
+              </a:ext>
+            </a:extLst>
+          </p:cNvPr>
+          <p:cNvSpPr>
+            <a:spLocks noGrp="1"/>
+          </p:cNvSpPr>
+          <p:nvPr>
+            <p:ph idx="1"/>
+          </p:nvPr>
+        </p:nvSpPr>
+        <p:spPr>
+          <a:xfrm>
+            <a:off x="3025627" y="3036814"/>
+            <a:ext cx="6140741" cy="1849005"/>
+          </a:xfrm>
+        </p:spPr>
+        <p:txBody>
+          <a:bodyPr anchor="ctr">
+            <a:normAutofit/>
+          </a:bodyPr>
+          <a:lstStyle/>
+          <a:p>
+            <a:r>
+              <a:rPr lang="ru-RU" sz="1800" dirty="0"/>
+              <a:t>Официальная документация </a:t>
+            </a:r>
+            <a:r>
+              <a:rPr lang="en-US" sz="1800" dirty="0"/>
+              <a:t>Microsoft</a:t>
+            </a:r>
+          </a:p>
+          <a:p>
+            <a:r>
+              <a:rPr lang="ru-RU" sz="1800" dirty="0"/>
+              <a:t>Библиотека для работы с </a:t>
+            </a:r>
+            <a:r>
+              <a:rPr lang="en-US" sz="1800" dirty="0" err="1"/>
+              <a:t>json</a:t>
+            </a:r>
+            <a:r>
+              <a:rPr lang="en-US" sz="1800" dirty="0"/>
+              <a:t> </a:t>
+            </a:r>
+            <a:r>
+              <a:rPr lang="en-US" sz="1800" dirty="0" err="1"/>
+              <a:t>nlohmann-json</a:t>
+            </a:r>
+            <a:endParaRPr lang="ru-RU" sz="1800" dirty="0"/>
+          </a:p>
+        </p:txBody>
+      </p:sp>
+    </p:spTree>
+    <p:extLst>
+      <p:ext uri="{BB962C8B-B14F-4D97-AF65-F5344CB8AC3E}">
+        <p14:creationId xmlns:p14="http://schemas.microsoft.com/office/powerpoint/2010/main" val="156814629"/>
       </p:ext>
     </p:extLst>
   </p:cSld>
